--- a/Presentation/Software Design Methods Slide.pptx
+++ b/Presentation/Software Design Methods Slide.pptx
@@ -11,11 +11,12 @@
     <p:sldId id="258" r:id="rId5"/>
     <p:sldId id="259" r:id="rId6"/>
     <p:sldId id="263" r:id="rId7"/>
-    <p:sldId id="264" r:id="rId8"/>
-    <p:sldId id="265" r:id="rId9"/>
-    <p:sldId id="266" r:id="rId10"/>
-    <p:sldId id="260" r:id="rId11"/>
-    <p:sldId id="267" r:id="rId12"/>
+    <p:sldId id="268" r:id="rId8"/>
+    <p:sldId id="264" r:id="rId9"/>
+    <p:sldId id="265" r:id="rId10"/>
+    <p:sldId id="266" r:id="rId11"/>
+    <p:sldId id="260" r:id="rId12"/>
+    <p:sldId id="267" r:id="rId13"/>
   </p:sldIdLst>
   <p:sldSz cx="12192000" cy="6858000"/>
   <p:notesSz cx="6858000" cy="9144000"/>
@@ -114,6 +115,11 @@
       </a:defRPr>
     </a:lvl9pPr>
   </p:defaultTextStyle>
+  <p:extLst>
+    <p:ext uri="{EFAFB233-063F-42B5-8137-9DF3F51BA10A}">
+      <p15:sldGuideLst xmlns:p15="http://schemas.microsoft.com/office/powerpoint/2012/main"/>
+    </p:ext>
+  </p:extLst>
 </p:presentation>
 </file>
 
@@ -3963,6 +3969,78 @@
           <a:p>
             <a:r>
               <a:rPr lang="en-US" altLang="zh-CN" dirty="0"/>
+              <a:t>Design Class Diagram</a:t>
+            </a:r>
+            <a:endParaRPr kumimoji="1" lang="zh-CN" altLang="en-US" dirty="0"/>
+          </a:p>
+        </p:txBody>
+      </p:sp>
+      <p:sp>
+        <p:nvSpPr>
+          <p:cNvPr id="3" name="内容占位符 2"/>
+          <p:cNvSpPr>
+            <a:spLocks noGrp="1"/>
+          </p:cNvSpPr>
+          <p:nvPr>
+            <p:ph idx="1"/>
+          </p:nvPr>
+        </p:nvSpPr>
+        <p:spPr/>
+        <p:txBody>
+          <a:bodyPr/>
+          <a:lstStyle/>
+          <a:p>
+            <a:endParaRPr kumimoji="1" lang="zh-CN" altLang="en-US"/>
+          </a:p>
+        </p:txBody>
+      </p:sp>
+    </p:spTree>
+    <p:extLst>
+      <p:ext uri="{BB962C8B-B14F-4D97-AF65-F5344CB8AC3E}">
+        <p14:creationId xmlns:p14="http://schemas.microsoft.com/office/powerpoint/2010/main" val="1166883394"/>
+      </p:ext>
+    </p:extLst>
+  </p:cSld>
+  <p:clrMapOvr>
+    <a:masterClrMapping/>
+  </p:clrMapOvr>
+</p:sld>
+</file>
+
+<file path=ppt/slides/slide11.xml><?xml version="1.0" encoding="utf-8"?>
+<p:sld xmlns:a="http://schemas.openxmlformats.org/drawingml/2006/main" xmlns:r="http://schemas.openxmlformats.org/officeDocument/2006/relationships" xmlns:p="http://schemas.openxmlformats.org/presentationml/2006/main">
+  <p:cSld>
+    <p:spTree>
+      <p:nvGrpSpPr>
+        <p:cNvPr id="1" name=""/>
+        <p:cNvGrpSpPr/>
+        <p:nvPr/>
+      </p:nvGrpSpPr>
+      <p:grpSpPr>
+        <a:xfrm>
+          <a:off x="0" y="0"/>
+          <a:ext cx="0" cy="0"/>
+          <a:chOff x="0" y="0"/>
+          <a:chExt cx="0" cy="0"/>
+        </a:xfrm>
+      </p:grpSpPr>
+      <p:sp>
+        <p:nvSpPr>
+          <p:cNvPr id="2" name="标题 1"/>
+          <p:cNvSpPr>
+            <a:spLocks noGrp="1"/>
+          </p:cNvSpPr>
+          <p:nvPr>
+            <p:ph type="title"/>
+          </p:nvPr>
+        </p:nvSpPr>
+        <p:spPr/>
+        <p:txBody>
+          <a:bodyPr/>
+          <a:lstStyle/>
+          <a:p>
+            <a:r>
+              <a:rPr lang="en-US" altLang="zh-CN" dirty="0"/>
               <a:t>Conclusion</a:t>
             </a:r>
             <a:endParaRPr kumimoji="1" lang="zh-CN" altLang="en-US" dirty="0"/>
@@ -4001,7 +4079,7 @@
 </p:sld>
 </file>
 
-<file path=ppt/slides/slide11.xml><?xml version="1.0" encoding="utf-8"?>
+<file path=ppt/slides/slide12.xml><?xml version="1.0" encoding="utf-8"?>
 <p:sld xmlns:a="http://schemas.openxmlformats.org/drawingml/2006/main" xmlns:r="http://schemas.openxmlformats.org/officeDocument/2006/relationships" xmlns:p="http://schemas.openxmlformats.org/presentationml/2006/main">
   <p:cSld>
     <p:spTree>
@@ -4246,7 +4324,6 @@
               <a:rPr lang="en-US" altLang="zh-CN" dirty="0"/>
               <a:t>information </a:t>
             </a:r>
-            <a:endParaRPr lang="en-US" altLang="zh-CN" dirty="0"/>
           </a:p>
           <a:p>
             <a:r>
@@ -4261,7 +4338,6 @@
               <a:rPr lang="en-US" altLang="zh-CN" dirty="0"/>
               <a:t>service capacity </a:t>
             </a:r>
-            <a:endParaRPr lang="en-US" altLang="zh-CN" dirty="0"/>
           </a:p>
           <a:p>
             <a:r>
@@ -4276,7 +4352,6 @@
               <a:rPr lang="en-US" altLang="zh-CN" dirty="0"/>
               <a:t>personnel costs </a:t>
             </a:r>
-            <a:endParaRPr lang="en-US" altLang="zh-CN" dirty="0"/>
           </a:p>
           <a:p>
             <a:endParaRPr lang="en-US" altLang="zh-CN" dirty="0"/>
@@ -4581,25 +4656,555 @@
           </a:p>
         </p:txBody>
       </p:sp>
-      <p:sp>
-        <p:nvSpPr>
-          <p:cNvPr id="3" name="内容占位符 2"/>
-          <p:cNvSpPr>
-            <a:spLocks noGrp="1"/>
-          </p:cNvSpPr>
+      <p:graphicFrame>
+        <p:nvGraphicFramePr>
+          <p:cNvPr id="8" name="内容占位符 7"/>
+          <p:cNvGraphicFramePr>
+            <a:graphicFrameLocks noGrp="1"/>
+          </p:cNvGraphicFramePr>
           <p:nvPr>
             <p:ph idx="1"/>
-          </p:nvPr>
-        </p:nvSpPr>
-        <p:spPr/>
-        <p:txBody>
-          <a:bodyPr/>
-          <a:lstStyle/>
-          <a:p>
-            <a:endParaRPr kumimoji="1" lang="zh-CN" altLang="en-US"/>
-          </a:p>
-        </p:txBody>
-      </p:sp>
+            <p:extLst>
+              <p:ext uri="{D42A27DB-BD31-4B8C-83A1-F6EECF244321}">
+                <p14:modId xmlns:p14="http://schemas.microsoft.com/office/powerpoint/2010/main" val="763045912"/>
+              </p:ext>
+            </p:extLst>
+          </p:nvPr>
+        </p:nvGraphicFramePr>
+        <p:xfrm>
+          <a:off x="1479884" y="1359569"/>
+          <a:ext cx="9059779" cy="5724965"/>
+        </p:xfrm>
+        <a:graphic>
+          <a:graphicData uri="http://schemas.openxmlformats.org/drawingml/2006/table">
+            <a:tbl>
+              <a:tblPr firstRow="1" firstCol="1" bandRow="1">
+                <a:tableStyleId>{5C22544A-7EE6-4342-B048-85BDC9FD1C3A}</a:tableStyleId>
+              </a:tblPr>
+              <a:tblGrid>
+                <a:gridCol w="1889641"/>
+                <a:gridCol w="7170138"/>
+              </a:tblGrid>
+              <a:tr h="211478">
+                <a:tc>
+                  <a:txBody>
+                    <a:bodyPr/>
+                    <a:lstStyle/>
+                    <a:p>
+                      <a:pPr algn="just">
+                        <a:spcAft>
+                          <a:spcPts val="0"/>
+                        </a:spcAft>
+                      </a:pPr>
+                      <a:r>
+                        <a:rPr lang="en-US" sz="900" kern="100">
+                          <a:effectLst/>
+                        </a:rPr>
+                        <a:t>Primary Actor</a:t>
+                      </a:r>
+                      <a:endParaRPr lang="zh-CN" sz="900" kern="100">
+                        <a:effectLst/>
+                        <a:latin typeface="DengXian" charset="-122"/>
+                        <a:ea typeface="DengXian" charset="-122"/>
+                        <a:cs typeface="Arial" charset="0"/>
+                      </a:endParaRPr>
+                    </a:p>
+                  </a:txBody>
+                  <a:tcPr marL="51655" marR="51655" marT="0" marB="0"/>
+                </a:tc>
+                <a:tc>
+                  <a:txBody>
+                    <a:bodyPr/>
+                    <a:lstStyle/>
+                    <a:p>
+                      <a:pPr algn="just">
+                        <a:spcAft>
+                          <a:spcPts val="0"/>
+                        </a:spcAft>
+                      </a:pPr>
+                      <a:r>
+                        <a:rPr lang="en-US" sz="900" kern="100">
+                          <a:effectLst/>
+                        </a:rPr>
+                        <a:t>Front desk</a:t>
+                      </a:r>
+                      <a:endParaRPr lang="zh-CN" sz="900" kern="100">
+                        <a:effectLst/>
+                        <a:latin typeface="DengXian" charset="-122"/>
+                        <a:ea typeface="DengXian" charset="-122"/>
+                        <a:cs typeface="Arial" charset="0"/>
+                      </a:endParaRPr>
+                    </a:p>
+                  </a:txBody>
+                  <a:tcPr marL="51655" marR="51655" marT="0" marB="0"/>
+                </a:tc>
+              </a:tr>
+              <a:tr h="1480347">
+                <a:tc>
+                  <a:txBody>
+                    <a:bodyPr/>
+                    <a:lstStyle/>
+                    <a:p>
+                      <a:pPr algn="just">
+                        <a:spcAft>
+                          <a:spcPts val="0"/>
+                        </a:spcAft>
+                      </a:pPr>
+                      <a:r>
+                        <a:rPr lang="en-US" sz="1600" kern="100">
+                          <a:effectLst/>
+                        </a:rPr>
+                        <a:t>Stakeholders and Interests:</a:t>
+                      </a:r>
+                      <a:endParaRPr lang="zh-CN" sz="1600" kern="100">
+                        <a:effectLst/>
+                      </a:endParaRPr>
+                    </a:p>
+                    <a:p>
+                      <a:pPr algn="just">
+                        <a:spcAft>
+                          <a:spcPts val="0"/>
+                        </a:spcAft>
+                      </a:pPr>
+                      <a:r>
+                        <a:rPr lang="en-US" sz="1600" kern="100">
+                          <a:effectLst/>
+                        </a:rPr>
+                        <a:t> </a:t>
+                      </a:r>
+                      <a:endParaRPr lang="zh-CN" sz="1600" kern="100">
+                        <a:effectLst/>
+                        <a:latin typeface="DengXian" charset="-122"/>
+                        <a:ea typeface="DengXian" charset="-122"/>
+                        <a:cs typeface="Arial" charset="0"/>
+                      </a:endParaRPr>
+                    </a:p>
+                  </a:txBody>
+                  <a:tcPr marL="51655" marR="51655" marT="0" marB="0"/>
+                </a:tc>
+                <a:tc>
+                  <a:txBody>
+                    <a:bodyPr/>
+                    <a:lstStyle/>
+                    <a:p>
+                      <a:pPr marL="342900" lvl="0" indent="-342900" algn="just">
+                        <a:spcAft>
+                          <a:spcPts val="0"/>
+                        </a:spcAft>
+                        <a:buFont typeface="Wingdings" charset="2"/>
+                        <a:buChar char=""/>
+                      </a:pPr>
+                      <a:r>
+                        <a:rPr lang="en-US" sz="1600" kern="100">
+                          <a:effectLst/>
+                        </a:rPr>
+                        <a:t>Doctor: wants patients registered as required;</a:t>
+                      </a:r>
+                      <a:endParaRPr lang="zh-CN" sz="1600" kern="100">
+                        <a:effectLst/>
+                      </a:endParaRPr>
+                    </a:p>
+                    <a:p>
+                      <a:pPr marL="342900" lvl="0" indent="-342900" algn="just">
+                        <a:spcAft>
+                          <a:spcPts val="0"/>
+                        </a:spcAft>
+                        <a:buFont typeface="Wingdings" charset="2"/>
+                        <a:buChar char=""/>
+                      </a:pPr>
+                      <a:r>
+                        <a:rPr lang="en-US" sz="1600" kern="100">
+                          <a:effectLst/>
+                        </a:rPr>
+                        <a:t>Patient: wants to register to admit the hospital;</a:t>
+                      </a:r>
+                      <a:endParaRPr lang="zh-CN" sz="1600" kern="100">
+                        <a:effectLst/>
+                      </a:endParaRPr>
+                    </a:p>
+                    <a:p>
+                      <a:pPr marL="342900" lvl="0" indent="-342900" algn="just">
+                        <a:spcAft>
+                          <a:spcPts val="0"/>
+                        </a:spcAft>
+                        <a:buFont typeface="Wingdings" charset="2"/>
+                        <a:buChar char=""/>
+                      </a:pPr>
+                      <a:r>
+                        <a:rPr lang="en-US" sz="1600" kern="100">
+                          <a:effectLst/>
+                        </a:rPr>
+                        <a:t>Front desk: wants to add the patient and his/her treatment to the system without errors;</a:t>
+                      </a:r>
+                      <a:endParaRPr lang="zh-CN" sz="1600" kern="100">
+                        <a:effectLst/>
+                      </a:endParaRPr>
+                    </a:p>
+                    <a:p>
+                      <a:pPr marL="342900" lvl="0" indent="-342900" algn="just">
+                        <a:spcAft>
+                          <a:spcPts val="0"/>
+                        </a:spcAft>
+                        <a:buFont typeface="Wingdings" charset="2"/>
+                        <a:buChar char=""/>
+                      </a:pPr>
+                      <a:r>
+                        <a:rPr lang="en-US" sz="1600" kern="100">
+                          <a:effectLst/>
+                        </a:rPr>
+                        <a:t>Hospital: wants to accurately record the patient’s and the treatment’s information. Wants to ensure the payment.</a:t>
+                      </a:r>
+                      <a:endParaRPr lang="zh-CN" sz="1600" kern="100">
+                        <a:effectLst/>
+                      </a:endParaRPr>
+                    </a:p>
+                    <a:p>
+                      <a:pPr algn="just">
+                        <a:spcAft>
+                          <a:spcPts val="0"/>
+                        </a:spcAft>
+                      </a:pPr>
+                      <a:r>
+                        <a:rPr lang="en-US" sz="1600" kern="100">
+                          <a:effectLst/>
+                        </a:rPr>
+                        <a:t> </a:t>
+                      </a:r>
+                      <a:endParaRPr lang="zh-CN" sz="1600" kern="100">
+                        <a:effectLst/>
+                        <a:latin typeface="DengXian" charset="-122"/>
+                        <a:ea typeface="DengXian" charset="-122"/>
+                        <a:cs typeface="Arial" charset="0"/>
+                      </a:endParaRPr>
+                    </a:p>
+                  </a:txBody>
+                  <a:tcPr marL="51655" marR="51655" marT="0" marB="0"/>
+                </a:tc>
+              </a:tr>
+              <a:tr h="422956">
+                <a:tc>
+                  <a:txBody>
+                    <a:bodyPr/>
+                    <a:lstStyle/>
+                    <a:p>
+                      <a:pPr algn="just">
+                        <a:spcAft>
+                          <a:spcPts val="0"/>
+                        </a:spcAft>
+                      </a:pPr>
+                      <a:r>
+                        <a:rPr lang="en-US" sz="1600" kern="100">
+                          <a:effectLst/>
+                        </a:rPr>
+                        <a:t>Success Guarantee</a:t>
+                      </a:r>
+                      <a:endParaRPr lang="zh-CN" sz="1600" kern="100">
+                        <a:effectLst/>
+                        <a:latin typeface="DengXian" charset="-122"/>
+                        <a:ea typeface="DengXian" charset="-122"/>
+                        <a:cs typeface="Arial" charset="0"/>
+                      </a:endParaRPr>
+                    </a:p>
+                  </a:txBody>
+                  <a:tcPr marL="51655" marR="51655" marT="0" marB="0"/>
+                </a:tc>
+                <a:tc>
+                  <a:txBody>
+                    <a:bodyPr/>
+                    <a:lstStyle/>
+                    <a:p>
+                      <a:pPr algn="just">
+                        <a:spcAft>
+                          <a:spcPts val="0"/>
+                        </a:spcAft>
+                      </a:pPr>
+                      <a:r>
+                        <a:rPr lang="en-US" sz="1600" kern="100">
+                          <a:effectLst/>
+                        </a:rPr>
+                        <a:t>The front desk receives the confirmation message</a:t>
+                      </a:r>
+                      <a:endParaRPr lang="zh-CN" sz="1600" kern="100">
+                        <a:effectLst/>
+                        <a:latin typeface="DengXian" charset="-122"/>
+                        <a:ea typeface="DengXian" charset="-122"/>
+                        <a:cs typeface="Arial" charset="0"/>
+                      </a:endParaRPr>
+                    </a:p>
+                  </a:txBody>
+                  <a:tcPr marL="51655" marR="51655" marT="0" marB="0"/>
+                </a:tc>
+              </a:tr>
+              <a:tr h="3383651">
+                <a:tc>
+                  <a:txBody>
+                    <a:bodyPr/>
+                    <a:lstStyle/>
+                    <a:p>
+                      <a:pPr algn="just">
+                        <a:spcAft>
+                          <a:spcPts val="0"/>
+                        </a:spcAft>
+                      </a:pPr>
+                      <a:r>
+                        <a:rPr lang="en-US" sz="1600" kern="100">
+                          <a:effectLst/>
+                        </a:rPr>
+                        <a:t>Main Success Scenario</a:t>
+                      </a:r>
+                      <a:endParaRPr lang="zh-CN" sz="1600" kern="100">
+                        <a:effectLst/>
+                        <a:latin typeface="DengXian" charset="-122"/>
+                        <a:ea typeface="DengXian" charset="-122"/>
+                        <a:cs typeface="Arial" charset="0"/>
+                      </a:endParaRPr>
+                    </a:p>
+                  </a:txBody>
+                  <a:tcPr marL="51655" marR="51655" marT="0" marB="0"/>
+                </a:tc>
+                <a:tc>
+                  <a:txBody>
+                    <a:bodyPr/>
+                    <a:lstStyle/>
+                    <a:p>
+                      <a:pPr marL="342900" lvl="0" indent="-342900" algn="just">
+                        <a:spcAft>
+                          <a:spcPts val="0"/>
+                        </a:spcAft>
+                        <a:buFont typeface="+mj-lt"/>
+                        <a:buAutoNum type="arabicPeriod"/>
+                      </a:pPr>
+                      <a:r>
+                        <a:rPr lang="en-US" sz="1600" kern="100" dirty="0">
+                          <a:effectLst/>
+                        </a:rPr>
+                        <a:t>System asks user to select the identity type</a:t>
+                      </a:r>
+                      <a:endParaRPr lang="zh-CN" sz="1600" kern="100" dirty="0">
+                        <a:effectLst/>
+                      </a:endParaRPr>
+                    </a:p>
+                    <a:p>
+                      <a:pPr marL="342900" lvl="0" indent="-342900" algn="just">
+                        <a:spcAft>
+                          <a:spcPts val="0"/>
+                        </a:spcAft>
+                        <a:buFont typeface="+mj-lt"/>
+                        <a:buAutoNum type="arabicPeriod"/>
+                      </a:pPr>
+                      <a:r>
+                        <a:rPr lang="en-US" sz="1600" kern="100" dirty="0">
+                          <a:effectLst/>
+                        </a:rPr>
+                        <a:t>User selects “patient”.</a:t>
+                      </a:r>
+                      <a:endParaRPr lang="zh-CN" sz="1600" kern="100" dirty="0">
+                        <a:effectLst/>
+                      </a:endParaRPr>
+                    </a:p>
+                    <a:p>
+                      <a:pPr marL="342900" lvl="0" indent="-342900" algn="just">
+                        <a:spcAft>
+                          <a:spcPts val="0"/>
+                        </a:spcAft>
+                        <a:buFont typeface="+mj-lt"/>
+                        <a:buAutoNum type="arabicPeriod"/>
+                      </a:pPr>
+                      <a:r>
+                        <a:rPr lang="en-US" sz="1600" kern="100" dirty="0">
+                          <a:effectLst/>
+                        </a:rPr>
+                        <a:t>System asks for patient’s name and date of birth.</a:t>
+                      </a:r>
+                      <a:endParaRPr lang="zh-CN" sz="1600" kern="100" dirty="0">
+                        <a:effectLst/>
+                      </a:endParaRPr>
+                    </a:p>
+                    <a:p>
+                      <a:pPr marL="342900" lvl="0" indent="-342900" algn="just">
+                        <a:spcAft>
+                          <a:spcPts val="0"/>
+                        </a:spcAft>
+                        <a:buFont typeface="+mj-lt"/>
+                        <a:buAutoNum type="arabicPeriod"/>
+                      </a:pPr>
+                      <a:r>
+                        <a:rPr lang="en-US" sz="1600" kern="100" dirty="0">
+                          <a:effectLst/>
+                        </a:rPr>
+                        <a:t>The user enters name and date of birth.</a:t>
+                      </a:r>
+                      <a:endParaRPr lang="zh-CN" sz="1600" kern="100" dirty="0">
+                        <a:effectLst/>
+                      </a:endParaRPr>
+                    </a:p>
+                    <a:p>
+                      <a:pPr marL="342900" lvl="0" indent="-342900" algn="just">
+                        <a:spcAft>
+                          <a:spcPts val="0"/>
+                        </a:spcAft>
+                        <a:buFont typeface="+mj-lt"/>
+                        <a:buAutoNum type="arabicPeriod"/>
+                      </a:pPr>
+                      <a:r>
+                        <a:rPr lang="en-US" sz="1600" kern="100" dirty="0">
+                          <a:effectLst/>
+                        </a:rPr>
+                        <a:t>System searches this information in the patients’ information database.</a:t>
+                      </a:r>
+                      <a:endParaRPr lang="zh-CN" sz="1600" kern="100" dirty="0">
+                        <a:effectLst/>
+                      </a:endParaRPr>
+                    </a:p>
+                    <a:p>
+                      <a:pPr marL="342900" lvl="0" indent="-342900" algn="just">
+                        <a:spcAft>
+                          <a:spcPts val="0"/>
+                        </a:spcAft>
+                        <a:buFont typeface="+mj-lt"/>
+                        <a:buAutoNum type="arabicPeriod"/>
+                      </a:pPr>
+                      <a:r>
+                        <a:rPr lang="en-US" sz="1600" kern="100" dirty="0">
+                          <a:effectLst/>
+                        </a:rPr>
+                        <a:t>System returns the result and asks user to select the action to take.</a:t>
+                      </a:r>
+                      <a:endParaRPr lang="zh-CN" sz="1600" kern="100" dirty="0">
+                        <a:effectLst/>
+                      </a:endParaRPr>
+                    </a:p>
+                    <a:p>
+                      <a:pPr marL="342900" lvl="0" indent="-342900" algn="just">
+                        <a:spcAft>
+                          <a:spcPts val="0"/>
+                        </a:spcAft>
+                        <a:buFont typeface="+mj-lt"/>
+                        <a:buAutoNum type="arabicPeriod"/>
+                      </a:pPr>
+                      <a:r>
+                        <a:rPr lang="en-US" sz="1600" kern="100" dirty="0">
+                          <a:effectLst/>
+                        </a:rPr>
+                        <a:t>User selects “register for admission”.</a:t>
+                      </a:r>
+                      <a:endParaRPr lang="zh-CN" sz="1600" kern="100" dirty="0">
+                        <a:effectLst/>
+                      </a:endParaRPr>
+                    </a:p>
+                    <a:p>
+                      <a:pPr marL="342900" lvl="0" indent="-342900" algn="just">
+                        <a:spcAft>
+                          <a:spcPts val="0"/>
+                        </a:spcAft>
+                        <a:buFont typeface="+mj-lt"/>
+                        <a:buAutoNum type="arabicPeriod"/>
+                      </a:pPr>
+                      <a:r>
+                        <a:rPr lang="en-US" sz="1600" kern="100" dirty="0">
+                          <a:effectLst/>
+                        </a:rPr>
+                        <a:t>System displays the admission registration form.</a:t>
+                      </a:r>
+                      <a:endParaRPr lang="zh-CN" sz="1600" kern="100" dirty="0">
+                        <a:effectLst/>
+                      </a:endParaRPr>
+                    </a:p>
+                    <a:p>
+                      <a:pPr marL="342900" lvl="0" indent="-342900" algn="just">
+                        <a:spcAft>
+                          <a:spcPts val="0"/>
+                        </a:spcAft>
+                        <a:buFont typeface="+mj-lt"/>
+                        <a:buAutoNum type="arabicPeriod"/>
+                      </a:pPr>
+                      <a:r>
+                        <a:rPr lang="en-US" sz="1600" kern="100" dirty="0">
+                          <a:effectLst/>
+                        </a:rPr>
+                        <a:t>User enters patient ID, department, admission time, room number, bed number, ward number to the system.</a:t>
+                      </a:r>
+                      <a:endParaRPr lang="zh-CN" sz="1600" kern="100" dirty="0">
+                        <a:effectLst/>
+                      </a:endParaRPr>
+                    </a:p>
+                    <a:p>
+                      <a:pPr marL="342900" lvl="0" indent="-342900" algn="just">
+                        <a:spcAft>
+                          <a:spcPts val="0"/>
+                        </a:spcAft>
+                        <a:buFont typeface="+mj-lt"/>
+                        <a:buAutoNum type="arabicPeriod"/>
+                      </a:pPr>
+                      <a:r>
+                        <a:rPr lang="en-US" sz="1600" kern="100" dirty="0">
+                          <a:effectLst/>
+                        </a:rPr>
+                        <a:t>System searches this information in treatment database and returns the result</a:t>
+                      </a:r>
+                      <a:endParaRPr lang="zh-CN" sz="1600" kern="100" dirty="0">
+                        <a:effectLst/>
+                      </a:endParaRPr>
+                    </a:p>
+                    <a:p>
+                      <a:pPr marL="342900" lvl="0" indent="-342900" algn="just">
+                        <a:spcAft>
+                          <a:spcPts val="0"/>
+                        </a:spcAft>
+                        <a:buFont typeface="+mj-lt"/>
+                        <a:buAutoNum type="arabicPeriod"/>
+                      </a:pPr>
+                      <a:r>
+                        <a:rPr lang="en-US" sz="1600" kern="100" dirty="0">
+                          <a:effectLst/>
+                        </a:rPr>
+                        <a:t>System adds the new treatment to the treatment database.</a:t>
+                      </a:r>
+                      <a:endParaRPr lang="zh-CN" sz="1600" kern="100" dirty="0">
+                        <a:effectLst/>
+                      </a:endParaRPr>
+                    </a:p>
+                    <a:p>
+                      <a:pPr marL="342900" lvl="0" indent="-342900" algn="just">
+                        <a:spcAft>
+                          <a:spcPts val="0"/>
+                        </a:spcAft>
+                        <a:buFont typeface="+mj-lt"/>
+                        <a:buAutoNum type="arabicPeriod"/>
+                      </a:pPr>
+                      <a:r>
+                        <a:rPr lang="en-US" sz="1600" kern="100" dirty="0">
+                          <a:effectLst/>
+                        </a:rPr>
+                        <a:t>System </a:t>
+                      </a:r>
+                      <a:r>
+                        <a:rPr lang="en-US" sz="1600" kern="100" dirty="0" smtClean="0">
+                          <a:effectLst/>
+                        </a:rPr>
+                        <a:t>display </a:t>
+                      </a:r>
+                      <a:r>
+                        <a:rPr lang="en-US" sz="1600" kern="100" dirty="0">
+                          <a:effectLst/>
+                        </a:rPr>
+                        <a:t>the confirmation message.</a:t>
+                      </a:r>
+                      <a:endParaRPr lang="zh-CN" sz="1600" kern="100" dirty="0">
+                        <a:effectLst/>
+                        <a:latin typeface="DengXian" charset="-122"/>
+                        <a:ea typeface="DengXian" charset="-122"/>
+                        <a:cs typeface="Arial" charset="0"/>
+                      </a:endParaRPr>
+                    </a:p>
+                  </a:txBody>
+                  <a:tcPr marL="51655" marR="51655" marT="0" marB="0"/>
+                </a:tc>
+              </a:tr>
+            </a:tbl>
+          </a:graphicData>
+        </a:graphic>
+      </p:graphicFrame>
     </p:spTree>
     <p:extLst>
       <p:ext uri="{BB962C8B-B14F-4D97-AF65-F5344CB8AC3E}">
@@ -4647,42 +5252,313 @@
           <a:p>
             <a:r>
               <a:rPr lang="en-US" altLang="zh-CN" dirty="0"/>
-              <a:t>Domain </a:t>
-            </a:r>
-            <a:r>
-              <a:rPr lang="en-US" altLang="zh-CN" dirty="0" smtClean="0"/>
-              <a:t>Model</a:t>
-            </a:r>
-            <a:br>
-              <a:rPr lang="en-US" altLang="zh-CN" dirty="0" smtClean="0"/>
-            </a:br>
+              <a:t>Use Fully Dressed Template</a:t>
+            </a:r>
             <a:endParaRPr kumimoji="1" lang="zh-CN" altLang="en-US" dirty="0"/>
           </a:p>
         </p:txBody>
       </p:sp>
-      <p:sp>
-        <p:nvSpPr>
-          <p:cNvPr id="3" name="内容占位符 2"/>
-          <p:cNvSpPr>
-            <a:spLocks noGrp="1"/>
-          </p:cNvSpPr>
+      <p:graphicFrame>
+        <p:nvGraphicFramePr>
+          <p:cNvPr id="4" name="内容占位符 3"/>
+          <p:cNvGraphicFramePr>
+            <a:graphicFrameLocks noGrp="1"/>
+          </p:cNvGraphicFramePr>
           <p:nvPr>
             <p:ph idx="1"/>
-          </p:nvPr>
-        </p:nvSpPr>
-        <p:spPr/>
-        <p:txBody>
-          <a:bodyPr/>
-          <a:lstStyle/>
-          <a:p>
-            <a:endParaRPr kumimoji="1" lang="zh-CN" altLang="en-US"/>
-          </a:p>
-        </p:txBody>
-      </p:sp>
+            <p:extLst>
+              <p:ext uri="{D42A27DB-BD31-4B8C-83A1-F6EECF244321}">
+                <p14:modId xmlns:p14="http://schemas.microsoft.com/office/powerpoint/2010/main" val="1836432891"/>
+              </p:ext>
+            </p:extLst>
+          </p:nvPr>
+        </p:nvGraphicFramePr>
+        <p:xfrm>
+          <a:off x="2099392" y="1931068"/>
+          <a:ext cx="8692933" cy="3964405"/>
+        </p:xfrm>
+        <a:graphic>
+          <a:graphicData uri="http://schemas.openxmlformats.org/drawingml/2006/table">
+            <a:tbl>
+              <a:tblPr firstRow="1" firstCol="1" bandRow="1">
+                <a:tableStyleId>{5C22544A-7EE6-4342-B048-85BDC9FD1C3A}</a:tableStyleId>
+              </a:tblPr>
+              <a:tblGrid>
+                <a:gridCol w="1813126"/>
+                <a:gridCol w="6879807"/>
+              </a:tblGrid>
+              <a:tr h="3398061">
+                <a:tc>
+                  <a:txBody>
+                    <a:bodyPr/>
+                    <a:lstStyle/>
+                    <a:p>
+                      <a:pPr algn="just">
+                        <a:spcAft>
+                          <a:spcPts val="0"/>
+                        </a:spcAft>
+                      </a:pPr>
+                      <a:r>
+                        <a:rPr lang="en-US" sz="1600" kern="100" dirty="0">
+                          <a:effectLst/>
+                        </a:rPr>
+                        <a:t>Extensions</a:t>
+                      </a:r>
+                      <a:endParaRPr lang="zh-CN" sz="1600" kern="100" dirty="0">
+                        <a:effectLst/>
+                      </a:endParaRPr>
+                    </a:p>
+                    <a:p>
+                      <a:pPr algn="just">
+                        <a:spcAft>
+                          <a:spcPts val="0"/>
+                        </a:spcAft>
+                      </a:pPr>
+                      <a:r>
+                        <a:rPr lang="en-US" sz="1600" kern="100" dirty="0">
+                          <a:effectLst/>
+                        </a:rPr>
+                        <a:t> </a:t>
+                      </a:r>
+                      <a:endParaRPr lang="zh-CN" sz="1600" kern="100" dirty="0">
+                        <a:effectLst/>
+                        <a:latin typeface="DengXian" charset="-122"/>
+                        <a:ea typeface="DengXian" charset="-122"/>
+                        <a:cs typeface="Arial" charset="0"/>
+                      </a:endParaRPr>
+                    </a:p>
+                  </a:txBody>
+                  <a:tcPr marL="68580" marR="68580" marT="0" marB="0"/>
+                </a:tc>
+                <a:tc>
+                  <a:txBody>
+                    <a:bodyPr/>
+                    <a:lstStyle/>
+                    <a:p>
+                      <a:pPr algn="just">
+                        <a:spcAft>
+                          <a:spcPts val="0"/>
+                        </a:spcAft>
+                      </a:pPr>
+                      <a:r>
+                        <a:rPr lang="en-US" sz="1600" kern="100" dirty="0">
+                          <a:effectLst/>
+                        </a:rPr>
+                        <a:t>6a. In step 6 of the main scenario, system find the patient information does not exist in the </a:t>
+                      </a:r>
+                      <a:r>
+                        <a:rPr lang="en-US" sz="1600" kern="100" dirty="0" smtClean="0">
+                          <a:effectLst/>
+                        </a:rPr>
+                        <a:t>database</a:t>
+                      </a:r>
+                    </a:p>
+                    <a:p>
+                      <a:pPr algn="just">
+                        <a:spcAft>
+                          <a:spcPts val="0"/>
+                        </a:spcAft>
+                      </a:pPr>
+                      <a:r>
+                        <a:rPr lang="en-US" sz="1600" kern="100" baseline="0" dirty="0" smtClean="0">
+                          <a:effectLst/>
+                        </a:rPr>
+                        <a:t>   1. </a:t>
+                      </a:r>
+                      <a:r>
+                        <a:rPr lang="en-US" sz="1600" kern="100" dirty="0" smtClean="0">
+                          <a:effectLst/>
+                        </a:rPr>
+                        <a:t>System </a:t>
+                      </a:r>
+                      <a:r>
+                        <a:rPr lang="en-US" sz="1600" kern="100" dirty="0">
+                          <a:effectLst/>
+                        </a:rPr>
+                        <a:t>returns the message that cannot find the patient information in database, and displays the form of patient </a:t>
+                      </a:r>
+                      <a:r>
+                        <a:rPr lang="en-US" sz="1600" kern="100" dirty="0" smtClean="0">
+                          <a:effectLst/>
+                        </a:rPr>
+                        <a:t>information</a:t>
+                      </a:r>
+                    </a:p>
+                    <a:p>
+                      <a:pPr algn="just">
+                        <a:spcAft>
+                          <a:spcPts val="0"/>
+                        </a:spcAft>
+                      </a:pPr>
+                      <a:r>
+                        <a:rPr lang="en-US" sz="1600" kern="100" baseline="0" dirty="0" smtClean="0">
+                          <a:effectLst/>
+                        </a:rPr>
+                        <a:t>   2. </a:t>
+                      </a:r>
+                      <a:r>
+                        <a:rPr lang="en-US" sz="1600" kern="100" dirty="0" smtClean="0">
+                          <a:effectLst/>
+                        </a:rPr>
+                        <a:t>User </a:t>
+                      </a:r>
+                      <a:r>
+                        <a:rPr lang="en-US" sz="1600" kern="100" dirty="0">
+                          <a:effectLst/>
+                        </a:rPr>
+                        <a:t>enters the patient’s name, gender, date of birth, address, contact number and insurance information to the </a:t>
+                      </a:r>
+                      <a:r>
+                        <a:rPr lang="en-US" sz="1600" kern="100" dirty="0" smtClean="0">
+                          <a:effectLst/>
+                        </a:rPr>
+                        <a:t>system.</a:t>
+                      </a:r>
+                    </a:p>
+                    <a:p>
+                      <a:pPr algn="just">
+                        <a:spcAft>
+                          <a:spcPts val="0"/>
+                        </a:spcAft>
+                      </a:pPr>
+                      <a:r>
+                        <a:rPr lang="en-US" sz="1600" kern="100" baseline="0" smtClean="0">
+                          <a:effectLst/>
+                        </a:rPr>
+                        <a:t>   3. </a:t>
+                      </a:r>
+                      <a:r>
+                        <a:rPr lang="en-US" sz="1600" kern="100" smtClean="0">
+                          <a:effectLst/>
+                        </a:rPr>
+                        <a:t>System </a:t>
+                      </a:r>
+                      <a:r>
+                        <a:rPr lang="en-US" sz="1600" kern="100" dirty="0">
+                          <a:effectLst/>
+                        </a:rPr>
+                        <a:t>creates a new patient information and saves in the </a:t>
+                      </a:r>
+                      <a:r>
+                        <a:rPr lang="en-US" sz="1600" kern="100" dirty="0" smtClean="0">
+                          <a:effectLst/>
+                        </a:rPr>
+                        <a:t>database.</a:t>
+                      </a:r>
+                      <a:endParaRPr lang="zh-CN" sz="1600" kern="100" dirty="0" smtClean="0">
+                        <a:effectLst/>
+                      </a:endParaRPr>
+                    </a:p>
+                    <a:p>
+                      <a:pPr algn="just">
+                        <a:spcAft>
+                          <a:spcPts val="0"/>
+                        </a:spcAft>
+                      </a:pPr>
+                      <a:r>
+                        <a:rPr lang="en-US" sz="1600" kern="100" dirty="0" smtClean="0">
+                          <a:effectLst/>
+                        </a:rPr>
+                        <a:t>11a. In step 11, if the result shows that this treatment already exists in the database.</a:t>
+                      </a:r>
+                    </a:p>
+                    <a:p>
+                      <a:pPr algn="just">
+                        <a:spcAft>
+                          <a:spcPts val="0"/>
+                        </a:spcAft>
+                      </a:pPr>
+                      <a:r>
+                        <a:rPr lang="en-US" sz="1600" kern="100" baseline="0" dirty="0" smtClean="0">
+                          <a:effectLst/>
+                        </a:rPr>
+                        <a:t>   1. </a:t>
+                      </a:r>
+                      <a:r>
+                        <a:rPr lang="en-US" sz="1600" kern="100" dirty="0" smtClean="0">
+                          <a:effectLst/>
+                        </a:rPr>
+                        <a:t>System </a:t>
+                      </a:r>
+                      <a:r>
+                        <a:rPr lang="en-US" sz="1600" kern="100" dirty="0">
+                          <a:effectLst/>
+                        </a:rPr>
+                        <a:t>returns the message that the treatment exists.</a:t>
+                      </a:r>
+                      <a:endParaRPr lang="zh-CN" sz="1600" kern="100" dirty="0">
+                        <a:effectLst/>
+                        <a:latin typeface="DengXian" charset="-122"/>
+                        <a:ea typeface="DengXian" charset="-122"/>
+                        <a:cs typeface="Arial" charset="0"/>
+                      </a:endParaRPr>
+                    </a:p>
+                  </a:txBody>
+                  <a:tcPr marL="68580" marR="68580" marT="0" marB="0"/>
+                </a:tc>
+              </a:tr>
+              <a:tr h="566344">
+                <a:tc>
+                  <a:txBody>
+                    <a:bodyPr/>
+                    <a:lstStyle/>
+                    <a:p>
+                      <a:pPr algn="just">
+                        <a:spcAft>
+                          <a:spcPts val="0"/>
+                        </a:spcAft>
+                      </a:pPr>
+                      <a:r>
+                        <a:rPr lang="en-US" sz="1600" kern="100" dirty="0">
+                          <a:effectLst/>
+                        </a:rPr>
+                        <a:t>Special Requirements</a:t>
+                      </a:r>
+                      <a:endParaRPr lang="zh-CN" sz="1600" kern="100" dirty="0">
+                        <a:effectLst/>
+                        <a:latin typeface="DengXian" charset="-122"/>
+                        <a:ea typeface="DengXian" charset="-122"/>
+                        <a:cs typeface="Arial" charset="0"/>
+                      </a:endParaRPr>
+                    </a:p>
+                  </a:txBody>
+                  <a:tcPr marL="68580" marR="68580" marT="0" marB="0"/>
+                </a:tc>
+                <a:tc>
+                  <a:txBody>
+                    <a:bodyPr/>
+                    <a:lstStyle/>
+                    <a:p>
+                      <a:pPr algn="just">
+                        <a:spcAft>
+                          <a:spcPts val="0"/>
+                        </a:spcAft>
+                      </a:pPr>
+                      <a:r>
+                        <a:rPr lang="en-US" sz="1600" kern="100" dirty="0">
+                          <a:effectLst/>
+                        </a:rPr>
+                        <a:t> </a:t>
+                      </a:r>
+                      <a:endParaRPr lang="zh-CN" sz="1600" kern="100" dirty="0">
+                        <a:effectLst/>
+                        <a:latin typeface="DengXian" charset="-122"/>
+                        <a:ea typeface="DengXian" charset="-122"/>
+                        <a:cs typeface="Arial" charset="0"/>
+                      </a:endParaRPr>
+                    </a:p>
+                  </a:txBody>
+                  <a:tcPr marL="68580" marR="68580" marT="0" marB="0"/>
+                </a:tc>
+              </a:tr>
+            </a:tbl>
+          </a:graphicData>
+        </a:graphic>
+      </p:graphicFrame>
     </p:spTree>
     <p:extLst>
       <p:ext uri="{BB962C8B-B14F-4D97-AF65-F5344CB8AC3E}">
-        <p14:creationId xmlns:p14="http://schemas.microsoft.com/office/powerpoint/2010/main" val="221560965"/>
+        <p14:creationId xmlns:p14="http://schemas.microsoft.com/office/powerpoint/2010/main" val="15909027"/>
       </p:ext>
     </p:extLst>
   </p:cSld>
@@ -4726,19 +5602,15 @@
           <a:p>
             <a:r>
               <a:rPr lang="en-US" altLang="zh-CN" dirty="0"/>
-              <a:t>S</a:t>
+              <a:t>Domain </a:t>
             </a:r>
             <a:r>
               <a:rPr lang="en-US" altLang="zh-CN" dirty="0" smtClean="0"/>
-              <a:t>equence Diagram and </a:t>
+              <a:t>Model</a:t>
             </a:r>
             <a:br>
               <a:rPr lang="en-US" altLang="zh-CN" dirty="0" smtClean="0"/>
             </a:br>
-            <a:r>
-              <a:rPr lang="en-US" altLang="zh-CN" dirty="0" smtClean="0"/>
-              <a:t>GRASP Principles</a:t>
-            </a:r>
             <a:endParaRPr kumimoji="1" lang="zh-CN" altLang="en-US" dirty="0"/>
           </a:p>
         </p:txBody>
@@ -4765,7 +5637,7 @@
     </p:spTree>
     <p:extLst>
       <p:ext uri="{BB962C8B-B14F-4D97-AF65-F5344CB8AC3E}">
-        <p14:creationId xmlns:p14="http://schemas.microsoft.com/office/powerpoint/2010/main" val="2074930279"/>
+        <p14:creationId xmlns:p14="http://schemas.microsoft.com/office/powerpoint/2010/main" val="221560965"/>
       </p:ext>
     </p:extLst>
   </p:cSld>
@@ -4809,7 +5681,18 @@
           <a:p>
             <a:r>
               <a:rPr lang="en-US" altLang="zh-CN" dirty="0"/>
-              <a:t>Design Class Diagram</a:t>
+              <a:t>S</a:t>
+            </a:r>
+            <a:r>
+              <a:rPr lang="en-US" altLang="zh-CN" dirty="0" smtClean="0"/>
+              <a:t>equence Diagram and </a:t>
+            </a:r>
+            <a:br>
+              <a:rPr lang="en-US" altLang="zh-CN" dirty="0" smtClean="0"/>
+            </a:br>
+            <a:r>
+              <a:rPr lang="en-US" altLang="zh-CN" dirty="0" smtClean="0"/>
+              <a:t>GRASP Principles</a:t>
             </a:r>
             <a:endParaRPr kumimoji="1" lang="zh-CN" altLang="en-US" dirty="0"/>
           </a:p>
@@ -4837,7 +5720,7 @@
     </p:spTree>
     <p:extLst>
       <p:ext uri="{BB962C8B-B14F-4D97-AF65-F5344CB8AC3E}">
-        <p14:creationId xmlns:p14="http://schemas.microsoft.com/office/powerpoint/2010/main" val="1166883394"/>
+        <p14:creationId xmlns:p14="http://schemas.microsoft.com/office/powerpoint/2010/main" val="2074930279"/>
       </p:ext>
     </p:extLst>
   </p:cSld>

--- a/Presentation/Software Design Methods Slide.pptx
+++ b/Presentation/Software Design Methods Slide.pptx
@@ -5422,13 +5422,13 @@
                         </a:spcAft>
                       </a:pPr>
                       <a:r>
-                        <a:rPr lang="en-US" sz="1600" kern="100" baseline="0" smtClean="0">
+                        <a:rPr lang="en-US" sz="1600" kern="100" baseline="0" dirty="0" smtClean="0">
                           <a:effectLst/>
                         </a:rPr>
                         <a:t>   3. </a:t>
                       </a:r>
                       <a:r>
-                        <a:rPr lang="en-US" sz="1600" kern="100" smtClean="0">
+                        <a:rPr lang="en-US" sz="1600" kern="100" dirty="0" smtClean="0">
                           <a:effectLst/>
                         </a:rPr>
                         <a:t>System </a:t>
@@ -5615,25 +5615,35 @@
           </a:p>
         </p:txBody>
       </p:sp>
-      <p:sp>
-        <p:nvSpPr>
-          <p:cNvPr id="3" name="内容占位符 2"/>
-          <p:cNvSpPr>
-            <a:spLocks noGrp="1"/>
-          </p:cNvSpPr>
+      <p:pic>
+        <p:nvPicPr>
+          <p:cNvPr id="4" name="内容占位符 3"/>
+          <p:cNvPicPr>
+            <a:picLocks noGrp="1" noChangeAspect="1"/>
+          </p:cNvPicPr>
           <p:nvPr>
             <p:ph idx="1"/>
           </p:nvPr>
-        </p:nvSpPr>
-        <p:spPr/>
-        <p:txBody>
-          <a:bodyPr/>
-          <a:lstStyle/>
-          <a:p>
-            <a:endParaRPr kumimoji="1" lang="zh-CN" altLang="en-US"/>
-          </a:p>
-        </p:txBody>
-      </p:sp>
+        </p:nvPicPr>
+        <p:blipFill>
+          <a:blip r:embed="rId2">
+            <a:extLst>
+              <a:ext uri="{28A0092B-C50C-407E-A947-70E740481C1C}">
+                <a14:useLocalDpi xmlns:a14="http://schemas.microsoft.com/office/drawing/2010/main" val="0"/>
+              </a:ext>
+            </a:extLst>
+          </a:blip>
+          <a:stretch>
+            <a:fillRect/>
+          </a:stretch>
+        </p:blipFill>
+        <p:spPr>
+          <a:xfrm>
+            <a:off x="2478199" y="1428750"/>
+            <a:ext cx="7388002" cy="5057776"/>
+          </a:xfrm>
+        </p:spPr>
+      </p:pic>
     </p:spTree>
     <p:extLst>
       <p:ext uri="{BB962C8B-B14F-4D97-AF65-F5344CB8AC3E}">

--- a/Presentation/Software Design Methods Slide.pptx
+++ b/Presentation/Software Design Methods Slide.pptx
@@ -4544,7 +4544,12 @@
             <p:ph type="title"/>
           </p:nvPr>
         </p:nvSpPr>
-        <p:spPr/>
+        <p:spPr>
+          <a:xfrm>
+            <a:off x="1371600" y="661737"/>
+            <a:ext cx="9601200" cy="1485900"/>
+          </a:xfrm>
+        </p:spPr>
         <p:txBody>
           <a:bodyPr/>
           <a:lstStyle/>
@@ -4572,14 +4577,246 @@
           <a:bodyPr/>
           <a:lstStyle/>
           <a:p>
-            <a:r>
-              <a:rPr lang="en-US" altLang="zh-CN" dirty="0"/>
-              <a:t>Patient admission registration</a:t>
-            </a:r>
-            <a:endParaRPr lang="zh-CN" altLang="zh-CN" dirty="0"/>
-          </a:p>
-          <a:p>
-            <a:endParaRPr kumimoji="1" lang="zh-CN" altLang="en-US" dirty="0"/>
+            <a:pPr marL="0" lvl="0" indent="-298450">
+              <a:spcBef>
+                <a:spcPts val="0"/>
+              </a:spcBef>
+              <a:spcAft>
+                <a:spcPts val="0"/>
+              </a:spcAft>
+              <a:buClr>
+                <a:schemeClr val="dk1"/>
+              </a:buClr>
+              <a:buSzPts val="1100"/>
+              <a:buNone/>
+            </a:pPr>
+            <a:r>
+              <a:rPr lang="en-US" altLang="zh-CN" sz="2400" dirty="0" smtClean="0">
+                <a:sym typeface="Times New Roman"/>
+              </a:rPr>
+              <a:t>1.</a:t>
+            </a:r>
+            <a:r>
+              <a:rPr lang="en-US" altLang="zh-CN" sz="2400" dirty="0" smtClean="0">
+                <a:latin typeface="Times New Roman"/>
+                <a:ea typeface="Times New Roman"/>
+                <a:cs typeface="Times New Roman"/>
+                <a:sym typeface="Times New Roman"/>
+              </a:rPr>
+              <a:t> </a:t>
+            </a:r>
+            <a:r>
+              <a:rPr lang="en-US" altLang="zh-CN" sz="2400" dirty="0" smtClean="0">
+                <a:solidFill>
+                  <a:srgbClr val="38761D"/>
+                </a:solidFill>
+                <a:latin typeface="Times New Roman"/>
+                <a:ea typeface="Times New Roman"/>
+                <a:cs typeface="Times New Roman"/>
+                <a:sym typeface="Times New Roman"/>
+              </a:rPr>
+              <a:t>  </a:t>
+            </a:r>
+            <a:r>
+              <a:rPr lang="en-US" altLang="zh-CN" sz="2400" dirty="0">
+                <a:solidFill>
+                  <a:srgbClr val="FF0000"/>
+                </a:solidFill>
+              </a:rPr>
+              <a:t>Patient </a:t>
+            </a:r>
+            <a:r>
+              <a:rPr lang="en-US" altLang="zh-CN" sz="2400" dirty="0" smtClean="0">
+                <a:solidFill>
+                  <a:srgbClr val="FF0000"/>
+                </a:solidFill>
+              </a:rPr>
+              <a:t>admission registration </a:t>
+            </a:r>
+            <a:r>
+              <a:rPr lang="en-US" altLang="zh-CN" sz="2400" dirty="0">
+                <a:solidFill>
+                  <a:srgbClr val="FF0000"/>
+                </a:solidFill>
+              </a:rPr>
+              <a:t>/ create patient</a:t>
+            </a:r>
+          </a:p>
+          <a:p>
+            <a:pPr marL="0" lvl="0" indent="-298450">
+              <a:spcBef>
+                <a:spcPts val="0"/>
+              </a:spcBef>
+              <a:spcAft>
+                <a:spcPts val="0"/>
+              </a:spcAft>
+              <a:buClr>
+                <a:schemeClr val="dk1"/>
+              </a:buClr>
+              <a:buSzPts val="1100"/>
+              <a:buNone/>
+            </a:pPr>
+            <a:r>
+              <a:rPr lang="en-US" altLang="zh-CN" sz="2400" dirty="0" smtClean="0"/>
+              <a:t>2.</a:t>
+            </a:r>
+            <a:r>
+              <a:rPr lang="en-US" altLang="zh-CN" sz="2400" dirty="0" smtClean="0">
+                <a:latin typeface="Times New Roman"/>
+                <a:ea typeface="Times New Roman"/>
+                <a:cs typeface="Times New Roman"/>
+                <a:sym typeface="Times New Roman"/>
+              </a:rPr>
+              <a:t>   </a:t>
+            </a:r>
+            <a:r>
+              <a:rPr lang="en-US" altLang="zh-CN" sz="2400" dirty="0" smtClean="0"/>
+              <a:t>Medical </a:t>
+            </a:r>
+            <a:r>
+              <a:rPr lang="en-US" altLang="zh-CN" sz="2400" dirty="0"/>
+              <a:t>records - Review / update patient medical records</a:t>
+            </a:r>
+          </a:p>
+          <a:p>
+            <a:pPr marL="0" lvl="0" indent="-298450">
+              <a:spcBef>
+                <a:spcPts val="0"/>
+              </a:spcBef>
+              <a:spcAft>
+                <a:spcPts val="0"/>
+              </a:spcAft>
+              <a:buClr>
+                <a:schemeClr val="dk1"/>
+              </a:buClr>
+              <a:buSzPts val="1100"/>
+              <a:buNone/>
+            </a:pPr>
+            <a:r>
+              <a:rPr lang="en-US" altLang="zh-CN" sz="2400" dirty="0" smtClean="0"/>
+              <a:t>3.</a:t>
+            </a:r>
+            <a:r>
+              <a:rPr lang="en-US" altLang="zh-CN" sz="2400" dirty="0" smtClean="0">
+                <a:latin typeface="Times New Roman"/>
+                <a:ea typeface="Times New Roman"/>
+                <a:cs typeface="Times New Roman"/>
+                <a:sym typeface="Times New Roman"/>
+              </a:rPr>
+              <a:t>   </a:t>
+            </a:r>
+            <a:r>
+              <a:rPr lang="en-US" altLang="zh-CN" sz="2400" dirty="0"/>
+              <a:t>Treatments - Schedule /view / update /cancel treatment / lab</a:t>
+            </a:r>
+          </a:p>
+          <a:p>
+            <a:pPr marL="0" lvl="0" indent="-298450">
+              <a:spcBef>
+                <a:spcPts val="0"/>
+              </a:spcBef>
+              <a:spcAft>
+                <a:spcPts val="0"/>
+              </a:spcAft>
+              <a:buClr>
+                <a:schemeClr val="dk1"/>
+              </a:buClr>
+              <a:buSzPts val="1100"/>
+              <a:buNone/>
+            </a:pPr>
+            <a:r>
+              <a:rPr lang="en-US" altLang="zh-CN" sz="2400" dirty="0" smtClean="0"/>
+              <a:t>4.</a:t>
+            </a:r>
+            <a:r>
+              <a:rPr lang="en-US" altLang="zh-CN" sz="2400" dirty="0" smtClean="0">
+                <a:latin typeface="Times New Roman"/>
+                <a:ea typeface="Times New Roman"/>
+                <a:cs typeface="Times New Roman"/>
+                <a:sym typeface="Times New Roman"/>
+              </a:rPr>
+              <a:t>   </a:t>
+            </a:r>
+            <a:r>
+              <a:rPr lang="en-US" altLang="zh-CN" sz="2400" dirty="0"/>
+              <a:t>Prescribe medication</a:t>
+            </a:r>
+          </a:p>
+          <a:p>
+            <a:pPr marL="0" lvl="0" indent="-228600">
+              <a:spcBef>
+                <a:spcPts val="0"/>
+              </a:spcBef>
+              <a:spcAft>
+                <a:spcPts val="0"/>
+              </a:spcAft>
+              <a:buNone/>
+            </a:pPr>
+            <a:r>
+              <a:rPr lang="en-US" altLang="zh-CN" sz="2400" dirty="0" smtClean="0"/>
+              <a:t>5.</a:t>
+            </a:r>
+            <a:r>
+              <a:rPr lang="en-US" altLang="zh-CN" sz="2400" dirty="0" smtClean="0">
+                <a:latin typeface="Times New Roman"/>
+                <a:ea typeface="Times New Roman"/>
+                <a:cs typeface="Times New Roman"/>
+                <a:sym typeface="Times New Roman"/>
+              </a:rPr>
+              <a:t>   </a:t>
+            </a:r>
+            <a:r>
+              <a:rPr lang="en-US" altLang="zh-CN" sz="2400" dirty="0"/>
+              <a:t>Reorder medication (patient refills / reorders medication)</a:t>
+            </a:r>
+          </a:p>
+          <a:p>
+            <a:pPr marL="0" lvl="0" indent="-298450">
+              <a:spcBef>
+                <a:spcPts val="0"/>
+              </a:spcBef>
+              <a:spcAft>
+                <a:spcPts val="0"/>
+              </a:spcAft>
+              <a:buClr>
+                <a:schemeClr val="dk1"/>
+              </a:buClr>
+              <a:buSzPts val="1100"/>
+              <a:buNone/>
+            </a:pPr>
+            <a:r>
+              <a:rPr lang="en-US" altLang="zh-CN" sz="2400" dirty="0" smtClean="0"/>
+              <a:t>6</a:t>
+            </a:r>
+            <a:r>
+              <a:rPr lang="en-US" altLang="zh-CN" sz="2400" smtClean="0"/>
+              <a:t>.   </a:t>
+            </a:r>
+            <a:r>
+              <a:rPr lang="en-US" altLang="zh-CN" sz="2400" smtClean="0">
+                <a:solidFill>
+                  <a:schemeClr val="tx1"/>
+                </a:solidFill>
+              </a:rPr>
+              <a:t>Process </a:t>
+            </a:r>
+            <a:r>
+              <a:rPr lang="en-US" altLang="zh-CN" sz="2400" dirty="0">
+                <a:solidFill>
+                  <a:schemeClr val="tx1"/>
+                </a:solidFill>
+              </a:rPr>
+              <a:t>medical payment</a:t>
+            </a:r>
+          </a:p>
+          <a:p>
+            <a:pPr marL="0" lvl="0" indent="0">
+              <a:spcBef>
+                <a:spcPts val="0"/>
+              </a:spcBef>
+              <a:buNone/>
+            </a:pPr>
+            <a:endParaRPr lang="en-US" altLang="zh-CN" dirty="0"/>
           </a:p>
         </p:txBody>
       </p:sp>
@@ -4623,7 +4860,12 @@
             <p:ph type="title"/>
           </p:nvPr>
         </p:nvSpPr>
-        <p:spPr/>
+        <p:spPr>
+          <a:xfrm>
+            <a:off x="1371600" y="314325"/>
+            <a:ext cx="9601200" cy="1485900"/>
+          </a:xfrm>
+        </p:spPr>
         <p:txBody>
           <a:bodyPr/>
           <a:lstStyle/>
@@ -4666,13 +4908,13 @@
             <p:ph idx="1"/>
             <p:extLst>
               <p:ext uri="{D42A27DB-BD31-4B8C-83A1-F6EECF244321}">
-                <p14:modId xmlns:p14="http://schemas.microsoft.com/office/powerpoint/2010/main" val="763045912"/>
+                <p14:modId xmlns:p14="http://schemas.microsoft.com/office/powerpoint/2010/main" val="11036237"/>
               </p:ext>
             </p:extLst>
           </p:nvPr>
         </p:nvGraphicFramePr>
         <p:xfrm>
-          <a:off x="1479884" y="1359569"/>
+          <a:off x="1642310" y="1057275"/>
           <a:ext cx="9059779" cy="5724965"/>
         </p:xfrm>
         <a:graphic>
@@ -4795,12 +5037,12 @@
                         <a:buChar char=""/>
                       </a:pPr>
                       <a:r>
-                        <a:rPr lang="en-US" sz="1600" kern="100">
+                        <a:rPr lang="en-US" sz="1600" kern="100" dirty="0">
                           <a:effectLst/>
                         </a:rPr>
                         <a:t>Doctor: wants patients registered as required;</a:t>
                       </a:r>
-                      <a:endParaRPr lang="zh-CN" sz="1600" kern="100">
+                      <a:endParaRPr lang="zh-CN" sz="1600" kern="100" dirty="0">
                         <a:effectLst/>
                       </a:endParaRPr>
                     </a:p>
@@ -4813,12 +5055,12 @@
                         <a:buChar char=""/>
                       </a:pPr>
                       <a:r>
-                        <a:rPr lang="en-US" sz="1600" kern="100">
+                        <a:rPr lang="en-US" sz="1600" kern="100" dirty="0">
                           <a:effectLst/>
                         </a:rPr>
                         <a:t>Patient: wants to register to admit the hospital;</a:t>
                       </a:r>
-                      <a:endParaRPr lang="zh-CN" sz="1600" kern="100">
+                      <a:endParaRPr lang="zh-CN" sz="1600" kern="100" dirty="0">
                         <a:effectLst/>
                       </a:endParaRPr>
                     </a:p>
@@ -4831,12 +5073,12 @@
                         <a:buChar char=""/>
                       </a:pPr>
                       <a:r>
-                        <a:rPr lang="en-US" sz="1600" kern="100">
+                        <a:rPr lang="en-US" sz="1600" kern="100" dirty="0">
                           <a:effectLst/>
                         </a:rPr>
                         <a:t>Front desk: wants to add the patient and his/her treatment to the system without errors;</a:t>
                       </a:r>
-                      <a:endParaRPr lang="zh-CN" sz="1600" kern="100">
+                      <a:endParaRPr lang="zh-CN" sz="1600" kern="100" dirty="0">
                         <a:effectLst/>
                       </a:endParaRPr>
                     </a:p>
@@ -4849,12 +5091,12 @@
                         <a:buChar char=""/>
                       </a:pPr>
                       <a:r>
-                        <a:rPr lang="en-US" sz="1600" kern="100">
+                        <a:rPr lang="en-US" sz="1600" kern="100" dirty="0">
                           <a:effectLst/>
                         </a:rPr>
                         <a:t>Hospital: wants to accurately record the patient’s and the treatment’s information. Wants to ensure the payment.</a:t>
                       </a:r>
-                      <a:endParaRPr lang="zh-CN" sz="1600" kern="100">
+                      <a:endParaRPr lang="zh-CN" sz="1600" kern="100" dirty="0">
                         <a:effectLst/>
                       </a:endParaRPr>
                     </a:p>
@@ -4865,12 +5107,12 @@
                         </a:spcAft>
                       </a:pPr>
                       <a:r>
-                        <a:rPr lang="en-US" sz="1600" kern="100">
+                        <a:rPr lang="en-US" sz="1600" kern="100" dirty="0">
                           <a:effectLst/>
                         </a:rPr>
                         <a:t> </a:t>
                       </a:r>
-                      <a:endParaRPr lang="zh-CN" sz="1600" kern="100">
+                      <a:endParaRPr lang="zh-CN" sz="1600" kern="100" dirty="0">
                         <a:effectLst/>
                         <a:latin typeface="DengXian" charset="-122"/>
                         <a:ea typeface="DengXian" charset="-122"/>

--- a/Presentation/Software Design Methods Slide.pptx
+++ b/Presentation/Software Design Methods Slide.pptx
@@ -13,9 +13,9 @@
     <p:sldId id="263" r:id="rId7"/>
     <p:sldId id="268" r:id="rId8"/>
     <p:sldId id="264" r:id="rId9"/>
-    <p:sldId id="265" r:id="rId10"/>
-    <p:sldId id="266" r:id="rId11"/>
-    <p:sldId id="260" r:id="rId12"/>
+    <p:sldId id="269" r:id="rId10"/>
+    <p:sldId id="265" r:id="rId11"/>
+    <p:sldId id="266" r:id="rId12"/>
     <p:sldId id="267" r:id="rId13"/>
   </p:sldIdLst>
   <p:sldSz cx="12192000" cy="6858000"/>
@@ -3969,7 +3969,18 @@
           <a:p>
             <a:r>
               <a:rPr lang="en-US" altLang="zh-CN" dirty="0"/>
-              <a:t>Design Class Diagram</a:t>
+              <a:t>S</a:t>
+            </a:r>
+            <a:r>
+              <a:rPr lang="en-US" altLang="zh-CN" dirty="0" smtClean="0"/>
+              <a:t>equence Diagram and </a:t>
+            </a:r>
+            <a:br>
+              <a:rPr lang="en-US" altLang="zh-CN" dirty="0" smtClean="0"/>
+            </a:br>
+            <a:r>
+              <a:rPr lang="en-US" altLang="zh-CN" dirty="0" smtClean="0"/>
+              <a:t>GRASP Principles</a:t>
             </a:r>
             <a:endParaRPr kumimoji="1" lang="zh-CN" altLang="en-US" dirty="0"/>
           </a:p>
@@ -3997,13 +4008,20 @@
     </p:spTree>
     <p:extLst>
       <p:ext uri="{BB962C8B-B14F-4D97-AF65-F5344CB8AC3E}">
-        <p14:creationId xmlns:p14="http://schemas.microsoft.com/office/powerpoint/2010/main" val="1166883394"/>
+        <p14:creationId xmlns:p14="http://schemas.microsoft.com/office/powerpoint/2010/main" val="2074930279"/>
       </p:ext>
     </p:extLst>
   </p:cSld>
   <p:clrMapOvr>
     <a:masterClrMapping/>
   </p:clrMapOvr>
+  <p:timing>
+    <p:tnLst>
+      <p:par>
+        <p:cTn id="1" dur="indefinite" restart="never" nodeType="tmRoot"/>
+      </p:par>
+    </p:tnLst>
+  </p:timing>
 </p:sld>
 </file>
 
@@ -4041,7 +4059,7 @@
           <a:p>
             <a:r>
               <a:rPr lang="en-US" altLang="zh-CN" dirty="0"/>
-              <a:t>Conclusion</a:t>
+              <a:t>Design Class Diagram</a:t>
             </a:r>
             <a:endParaRPr kumimoji="1" lang="zh-CN" altLang="en-US" dirty="0"/>
           </a:p>
@@ -4062,14 +4080,14 @@
           <a:bodyPr/>
           <a:lstStyle/>
           <a:p>
-            <a:endParaRPr kumimoji="1" lang="zh-CN" altLang="en-US" dirty="0"/>
+            <a:endParaRPr kumimoji="1" lang="zh-CN" altLang="en-US"/>
           </a:p>
         </p:txBody>
       </p:sp>
     </p:spTree>
     <p:extLst>
       <p:ext uri="{BB962C8B-B14F-4D97-AF65-F5344CB8AC3E}">
-        <p14:creationId xmlns:p14="http://schemas.microsoft.com/office/powerpoint/2010/main" val="48656462"/>
+        <p14:creationId xmlns:p14="http://schemas.microsoft.com/office/powerpoint/2010/main" val="1166883394"/>
       </p:ext>
     </p:extLst>
   </p:cSld>
@@ -4786,14 +4804,10 @@
             </a:pPr>
             <a:r>
               <a:rPr lang="en-US" altLang="zh-CN" sz="2400" dirty="0" smtClean="0"/>
-              <a:t>6</a:t>
-            </a:r>
-            <a:r>
-              <a:rPr lang="en-US" altLang="zh-CN" sz="2400" smtClean="0"/>
-              <a:t>.   </a:t>
-            </a:r>
-            <a:r>
-              <a:rPr lang="en-US" altLang="zh-CN" sz="2400" smtClean="0">
+              <a:t>6.   </a:t>
+            </a:r>
+            <a:r>
+              <a:rPr lang="en-US" altLang="zh-CN" sz="2400" dirty="0" smtClean="0">
                 <a:solidFill>
                   <a:schemeClr val="tx1"/>
                 </a:solidFill>
@@ -5896,6 +5910,13 @@
   <p:clrMapOvr>
     <a:masterClrMapping/>
   </p:clrMapOvr>
+  <p:timing>
+    <p:tnLst>
+      <p:par>
+        <p:cTn id="1" dur="indefinite" restart="never" nodeType="tmRoot"/>
+      </p:par>
+    </p:tnLst>
+  </p:timing>
 </p:sld>
 </file>
 
@@ -5926,59 +5947,70 @@
             <p:ph type="title"/>
           </p:nvPr>
         </p:nvSpPr>
-        <p:spPr/>
+        <p:spPr>
+          <a:xfrm>
+            <a:off x="890337" y="506078"/>
+            <a:ext cx="9601200" cy="1485900"/>
+          </a:xfrm>
+        </p:spPr>
         <p:txBody>
           <a:bodyPr/>
           <a:lstStyle/>
           <a:p>
             <a:r>
               <a:rPr lang="en-US" altLang="zh-CN" dirty="0"/>
-              <a:t>S</a:t>
-            </a:r>
-            <a:r>
-              <a:rPr lang="en-US" altLang="zh-CN" dirty="0" smtClean="0"/>
-              <a:t>equence Diagram and </a:t>
-            </a:r>
-            <a:br>
-              <a:rPr lang="en-US" altLang="zh-CN" dirty="0" smtClean="0"/>
-            </a:br>
-            <a:r>
-              <a:rPr lang="en-US" altLang="zh-CN" dirty="0" smtClean="0"/>
-              <a:t>GRASP Principles</a:t>
+              <a:t>Sequence Diagram</a:t>
             </a:r>
             <a:endParaRPr kumimoji="1" lang="zh-CN" altLang="en-US" dirty="0"/>
           </a:p>
         </p:txBody>
       </p:sp>
-      <p:sp>
-        <p:nvSpPr>
-          <p:cNvPr id="3" name="内容占位符 2"/>
-          <p:cNvSpPr>
-            <a:spLocks noGrp="1"/>
-          </p:cNvSpPr>
+      <p:pic>
+        <p:nvPicPr>
+          <p:cNvPr id="4" name="内容占位符 3"/>
+          <p:cNvPicPr>
+            <a:picLocks noGrp="1" noChangeAspect="1"/>
+          </p:cNvPicPr>
           <p:nvPr>
             <p:ph idx="1"/>
           </p:nvPr>
-        </p:nvSpPr>
-        <p:spPr/>
-        <p:txBody>
-          <a:bodyPr/>
-          <a:lstStyle/>
-          <a:p>
-            <a:endParaRPr kumimoji="1" lang="zh-CN" altLang="en-US"/>
-          </a:p>
-        </p:txBody>
-      </p:sp>
+        </p:nvPicPr>
+        <p:blipFill>
+          <a:blip r:embed="rId2">
+            <a:extLst>
+              <a:ext uri="{28A0092B-C50C-407E-A947-70E740481C1C}">
+                <a14:useLocalDpi xmlns:a14="http://schemas.microsoft.com/office/drawing/2010/main" val="0"/>
+              </a:ext>
+            </a:extLst>
+          </a:blip>
+          <a:stretch>
+            <a:fillRect/>
+          </a:stretch>
+        </p:blipFill>
+        <p:spPr>
+          <a:xfrm>
+            <a:off x="6388768" y="83856"/>
+            <a:ext cx="5690937" cy="6610565"/>
+          </a:xfrm>
+        </p:spPr>
+      </p:pic>
     </p:spTree>
     <p:extLst>
       <p:ext uri="{BB962C8B-B14F-4D97-AF65-F5344CB8AC3E}">
-        <p14:creationId xmlns:p14="http://schemas.microsoft.com/office/powerpoint/2010/main" val="2074930279"/>
+        <p14:creationId xmlns:p14="http://schemas.microsoft.com/office/powerpoint/2010/main" val="2145996668"/>
       </p:ext>
     </p:extLst>
   </p:cSld>
   <p:clrMapOvr>
     <a:masterClrMapping/>
   </p:clrMapOvr>
+  <p:timing>
+    <p:tnLst>
+      <p:par>
+        <p:cTn id="1" dur="indefinite" restart="never" nodeType="tmRoot"/>
+      </p:par>
+    </p:tnLst>
+  </p:timing>
 </p:sld>
 </file>
 

--- a/Presentation/Software Design Methods Slide.pptx
+++ b/Presentation/Software Design Methods Slide.pptx
@@ -293,7 +293,7 @@
             <a:fld id="{87DE6118-2437-4B30-8E3C-4D2BE6020583}" type="datetimeFigureOut">
               <a:rPr lang="en-US" dirty="0"/>
               <a:pPr/>
-              <a:t>12/3/18</a:t>
+              <a:t>12/4/18</a:t>
             </a:fld>
             <a:endParaRPr lang="en-US" dirty="0"/>
           </a:p>
@@ -619,7 +619,7 @@
           <a:p>
             <a:fld id="{87DE6118-2437-4B30-8E3C-4D2BE6020583}" type="datetimeFigureOut">
               <a:rPr lang="en-US" dirty="0"/>
-              <a:t>12/3/18</a:t>
+              <a:t>12/4/18</a:t>
             </a:fld>
             <a:endParaRPr lang="en-US" dirty="0"/>
           </a:p>
@@ -794,7 +794,7 @@
           <a:p>
             <a:fld id="{87DE6118-2437-4B30-8E3C-4D2BE6020583}" type="datetimeFigureOut">
               <a:rPr lang="en-US" dirty="0"/>
-              <a:t>12/3/18</a:t>
+              <a:t>12/4/18</a:t>
             </a:fld>
             <a:endParaRPr lang="en-US" dirty="0"/>
           </a:p>
@@ -959,7 +959,7 @@
           <a:p>
             <a:fld id="{87DE6118-2437-4B30-8E3C-4D2BE6020583}" type="datetimeFigureOut">
               <a:rPr lang="en-US" dirty="0"/>
-              <a:t>12/3/18</a:t>
+              <a:t>12/4/18</a:t>
             </a:fld>
             <a:endParaRPr lang="en-US" dirty="0"/>
           </a:p>
@@ -1232,7 +1232,7 @@
             <a:fld id="{87DE6118-2437-4B30-8E3C-4D2BE6020583}" type="datetimeFigureOut">
               <a:rPr lang="en-US" dirty="0"/>
               <a:pPr/>
-              <a:t>12/3/18</a:t>
+              <a:t>12/4/18</a:t>
             </a:fld>
             <a:endParaRPr lang="en-US" dirty="0"/>
           </a:p>
@@ -1622,7 +1622,7 @@
           <a:p>
             <a:fld id="{87DE6118-2437-4B30-8E3C-4D2BE6020583}" type="datetimeFigureOut">
               <a:rPr lang="en-US" dirty="0"/>
-              <a:t>12/3/18</a:t>
+              <a:t>12/4/18</a:t>
             </a:fld>
             <a:endParaRPr lang="en-US" dirty="0"/>
           </a:p>
@@ -2094,7 +2094,7 @@
           <a:p>
             <a:fld id="{87DE6118-2437-4B30-8E3C-4D2BE6020583}" type="datetimeFigureOut">
               <a:rPr lang="en-US" dirty="0"/>
-              <a:t>12/3/18</a:t>
+              <a:t>12/4/18</a:t>
             </a:fld>
             <a:endParaRPr lang="en-US" dirty="0"/>
           </a:p>
@@ -2207,7 +2207,7 @@
           <a:p>
             <a:fld id="{87DE6118-2437-4B30-8E3C-4D2BE6020583}" type="datetimeFigureOut">
               <a:rPr lang="en-US" dirty="0"/>
-              <a:t>12/3/18</a:t>
+              <a:t>12/4/18</a:t>
             </a:fld>
             <a:endParaRPr lang="en-US" dirty="0"/>
           </a:p>
@@ -2297,7 +2297,7 @@
           <a:p>
             <a:fld id="{87DE6118-2437-4B30-8E3C-4D2BE6020583}" type="datetimeFigureOut">
               <a:rPr lang="en-US" dirty="0"/>
-              <a:t>12/3/18</a:t>
+              <a:t>12/4/18</a:t>
             </a:fld>
             <a:endParaRPr lang="en-US" dirty="0"/>
           </a:p>
@@ -2639,7 +2639,7 @@
             <a:fld id="{87DE6118-2437-4B30-8E3C-4D2BE6020583}" type="datetimeFigureOut">
               <a:rPr lang="en-US" dirty="0"/>
               <a:pPr/>
-              <a:t>12/3/18</a:t>
+              <a:t>12/4/18</a:t>
             </a:fld>
             <a:endParaRPr lang="en-US" dirty="0"/>
           </a:p>
@@ -3024,7 +3024,7 @@
             <a:fld id="{87DE6118-2437-4B30-8E3C-4D2BE6020583}" type="datetimeFigureOut">
               <a:rPr lang="en-US" dirty="0"/>
               <a:pPr/>
-              <a:t>12/3/18</a:t>
+              <a:t>12/4/18</a:t>
             </a:fld>
             <a:endParaRPr lang="en-US" dirty="0"/>
           </a:p>
@@ -3299,7 +3299,7 @@
             <a:fld id="{87DE6118-2437-4B30-8E3C-4D2BE6020583}" type="datetimeFigureOut">
               <a:rPr lang="en-US" dirty="0"/>
               <a:pPr/>
-              <a:t>12/3/18</a:t>
+              <a:t>12/4/18</a:t>
             </a:fld>
             <a:endParaRPr lang="en-US" dirty="0"/>
           </a:p>
@@ -3962,7 +3962,12 @@
             <p:ph type="title"/>
           </p:nvPr>
         </p:nvSpPr>
-        <p:spPr/>
+        <p:spPr>
+          <a:xfrm>
+            <a:off x="814388" y="157162"/>
+            <a:ext cx="9601200" cy="1485900"/>
+          </a:xfrm>
+        </p:spPr>
         <p:txBody>
           <a:bodyPr/>
           <a:lstStyle/>
@@ -3986,25 +3991,35 @@
           </a:p>
         </p:txBody>
       </p:sp>
-      <p:sp>
-        <p:nvSpPr>
-          <p:cNvPr id="3" name="内容占位符 2"/>
-          <p:cNvSpPr>
-            <a:spLocks noGrp="1"/>
-          </p:cNvSpPr>
+      <p:pic>
+        <p:nvPicPr>
+          <p:cNvPr id="4" name="内容占位符 3"/>
+          <p:cNvPicPr>
+            <a:picLocks noGrp="1" noChangeAspect="1"/>
+          </p:cNvPicPr>
           <p:nvPr>
             <p:ph idx="1"/>
           </p:nvPr>
-        </p:nvSpPr>
-        <p:spPr/>
-        <p:txBody>
-          <a:bodyPr/>
-          <a:lstStyle/>
-          <a:p>
-            <a:endParaRPr kumimoji="1" lang="zh-CN" altLang="en-US"/>
-          </a:p>
-        </p:txBody>
-      </p:sp>
+        </p:nvPicPr>
+        <p:blipFill>
+          <a:blip r:embed="rId2">
+            <a:extLst>
+              <a:ext uri="{28A0092B-C50C-407E-A947-70E740481C1C}">
+                <a14:useLocalDpi xmlns:a14="http://schemas.microsoft.com/office/drawing/2010/main" val="0"/>
+              </a:ext>
+            </a:extLst>
+          </a:blip>
+          <a:stretch>
+            <a:fillRect/>
+          </a:stretch>
+        </p:blipFill>
+        <p:spPr>
+          <a:xfrm>
+            <a:off x="6572250" y="157162"/>
+            <a:ext cx="5386571" cy="6565264"/>
+          </a:xfrm>
+        </p:spPr>
+      </p:pic>
     </p:spTree>
     <p:extLst>
       <p:ext uri="{BB962C8B-B14F-4D97-AF65-F5344CB8AC3E}">

--- a/Presentation/Software Design Methods Slide.pptx
+++ b/Presentation/Software Design Methods Slide.pptx
@@ -4067,7 +4067,12 @@
             <p:ph type="title"/>
           </p:nvPr>
         </p:nvSpPr>
-        <p:spPr/>
+        <p:spPr>
+          <a:xfrm>
+            <a:off x="1000125" y="200025"/>
+            <a:ext cx="9601200" cy="1485900"/>
+          </a:xfrm>
+        </p:spPr>
         <p:txBody>
           <a:bodyPr/>
           <a:lstStyle/>
@@ -4080,25 +4085,35 @@
           </a:p>
         </p:txBody>
       </p:sp>
-      <p:sp>
-        <p:nvSpPr>
-          <p:cNvPr id="3" name="内容占位符 2"/>
-          <p:cNvSpPr>
-            <a:spLocks noGrp="1"/>
-          </p:cNvSpPr>
+      <p:pic>
+        <p:nvPicPr>
+          <p:cNvPr id="4" name="内容占位符 3"/>
+          <p:cNvPicPr>
+            <a:picLocks noGrp="1" noChangeAspect="1"/>
+          </p:cNvPicPr>
           <p:nvPr>
             <p:ph idx="1"/>
           </p:nvPr>
-        </p:nvSpPr>
-        <p:spPr/>
-        <p:txBody>
-          <a:bodyPr/>
-          <a:lstStyle/>
-          <a:p>
-            <a:endParaRPr kumimoji="1" lang="zh-CN" altLang="en-US"/>
-          </a:p>
-        </p:txBody>
-      </p:sp>
+        </p:nvPicPr>
+        <p:blipFill>
+          <a:blip r:embed="rId2">
+            <a:extLst>
+              <a:ext uri="{28A0092B-C50C-407E-A947-70E740481C1C}">
+                <a14:useLocalDpi xmlns:a14="http://schemas.microsoft.com/office/drawing/2010/main" val="0"/>
+              </a:ext>
+            </a:extLst>
+          </a:blip>
+          <a:stretch>
+            <a:fillRect/>
+          </a:stretch>
+        </p:blipFill>
+        <p:spPr>
+          <a:xfrm>
+            <a:off x="1885950" y="942975"/>
+            <a:ext cx="8715375" cy="5639888"/>
+          </a:xfrm>
+        </p:spPr>
+      </p:pic>
     </p:spTree>
     <p:extLst>
       <p:ext uri="{BB962C8B-B14F-4D97-AF65-F5344CB8AC3E}">

--- a/Presentation/Software Design Methods Slide.pptx
+++ b/Presentation/Software Design Methods Slide.pptx
@@ -6,17 +6,16 @@
   </p:sldMasterIdLst>
   <p:sldIdLst>
     <p:sldId id="256" r:id="rId2"/>
-    <p:sldId id="262" r:id="rId3"/>
-    <p:sldId id="257" r:id="rId4"/>
-    <p:sldId id="258" r:id="rId5"/>
-    <p:sldId id="259" r:id="rId6"/>
-    <p:sldId id="263" r:id="rId7"/>
-    <p:sldId id="268" r:id="rId8"/>
-    <p:sldId id="264" r:id="rId9"/>
-    <p:sldId id="269" r:id="rId10"/>
-    <p:sldId id="265" r:id="rId11"/>
-    <p:sldId id="266" r:id="rId12"/>
-    <p:sldId id="267" r:id="rId13"/>
+    <p:sldId id="257" r:id="rId3"/>
+    <p:sldId id="258" r:id="rId4"/>
+    <p:sldId id="259" r:id="rId5"/>
+    <p:sldId id="263" r:id="rId6"/>
+    <p:sldId id="268" r:id="rId7"/>
+    <p:sldId id="264" r:id="rId8"/>
+    <p:sldId id="269" r:id="rId9"/>
+    <p:sldId id="265" r:id="rId10"/>
+    <p:sldId id="266" r:id="rId11"/>
+    <p:sldId id="267" r:id="rId12"/>
   </p:sldIdLst>
   <p:sldSz cx="12192000" cy="6858000"/>
   <p:notesSz cx="6858000" cy="9144000"/>
@@ -3964,111 +3963,6 @@
         </p:nvSpPr>
         <p:spPr>
           <a:xfrm>
-            <a:off x="814388" y="157162"/>
-            <a:ext cx="9601200" cy="1485900"/>
-          </a:xfrm>
-        </p:spPr>
-        <p:txBody>
-          <a:bodyPr/>
-          <a:lstStyle/>
-          <a:p>
-            <a:r>
-              <a:rPr lang="en-US" altLang="zh-CN" dirty="0"/>
-              <a:t>S</a:t>
-            </a:r>
-            <a:r>
-              <a:rPr lang="en-US" altLang="zh-CN" dirty="0" smtClean="0"/>
-              <a:t>equence Diagram and </a:t>
-            </a:r>
-            <a:br>
-              <a:rPr lang="en-US" altLang="zh-CN" dirty="0" smtClean="0"/>
-            </a:br>
-            <a:r>
-              <a:rPr lang="en-US" altLang="zh-CN" dirty="0" smtClean="0"/>
-              <a:t>GRASP Principles</a:t>
-            </a:r>
-            <a:endParaRPr kumimoji="1" lang="zh-CN" altLang="en-US" dirty="0"/>
-          </a:p>
-        </p:txBody>
-      </p:sp>
-      <p:pic>
-        <p:nvPicPr>
-          <p:cNvPr id="4" name="内容占位符 3"/>
-          <p:cNvPicPr>
-            <a:picLocks noGrp="1" noChangeAspect="1"/>
-          </p:cNvPicPr>
-          <p:nvPr>
-            <p:ph idx="1"/>
-          </p:nvPr>
-        </p:nvPicPr>
-        <p:blipFill>
-          <a:blip r:embed="rId2">
-            <a:extLst>
-              <a:ext uri="{28A0092B-C50C-407E-A947-70E740481C1C}">
-                <a14:useLocalDpi xmlns:a14="http://schemas.microsoft.com/office/drawing/2010/main" val="0"/>
-              </a:ext>
-            </a:extLst>
-          </a:blip>
-          <a:stretch>
-            <a:fillRect/>
-          </a:stretch>
-        </p:blipFill>
-        <p:spPr>
-          <a:xfrm>
-            <a:off x="6572250" y="157162"/>
-            <a:ext cx="5386571" cy="6565264"/>
-          </a:xfrm>
-        </p:spPr>
-      </p:pic>
-    </p:spTree>
-    <p:extLst>
-      <p:ext uri="{BB962C8B-B14F-4D97-AF65-F5344CB8AC3E}">
-        <p14:creationId xmlns:p14="http://schemas.microsoft.com/office/powerpoint/2010/main" val="2074930279"/>
-      </p:ext>
-    </p:extLst>
-  </p:cSld>
-  <p:clrMapOvr>
-    <a:masterClrMapping/>
-  </p:clrMapOvr>
-  <p:timing>
-    <p:tnLst>
-      <p:par>
-        <p:cTn id="1" dur="indefinite" restart="never" nodeType="tmRoot"/>
-      </p:par>
-    </p:tnLst>
-  </p:timing>
-</p:sld>
-</file>
-
-<file path=ppt/slides/slide11.xml><?xml version="1.0" encoding="utf-8"?>
-<p:sld xmlns:a="http://schemas.openxmlformats.org/drawingml/2006/main" xmlns:r="http://schemas.openxmlformats.org/officeDocument/2006/relationships" xmlns:p="http://schemas.openxmlformats.org/presentationml/2006/main">
-  <p:cSld>
-    <p:spTree>
-      <p:nvGrpSpPr>
-        <p:cNvPr id="1" name=""/>
-        <p:cNvGrpSpPr/>
-        <p:nvPr/>
-      </p:nvGrpSpPr>
-      <p:grpSpPr>
-        <a:xfrm>
-          <a:off x="0" y="0"/>
-          <a:ext cx="0" cy="0"/>
-          <a:chOff x="0" y="0"/>
-          <a:chExt cx="0" cy="0"/>
-        </a:xfrm>
-      </p:grpSpPr>
-      <p:sp>
-        <p:nvSpPr>
-          <p:cNvPr id="2" name="标题 1"/>
-          <p:cNvSpPr>
-            <a:spLocks noGrp="1"/>
-          </p:cNvSpPr>
-          <p:nvPr>
-            <p:ph type="title"/>
-          </p:nvPr>
-        </p:nvSpPr>
-        <p:spPr>
-          <a:xfrm>
             <a:off x="1000125" y="200025"/>
             <a:ext cx="9601200" cy="1485900"/>
           </a:xfrm>
@@ -4127,7 +4021,7 @@
 </p:sld>
 </file>
 
-<file path=ppt/slides/slide12.xml><?xml version="1.0" encoding="utf-8"?>
+<file path=ppt/slides/slide11.xml><?xml version="1.0" encoding="utf-8"?>
 <p:sld xmlns:a="http://schemas.openxmlformats.org/drawingml/2006/main" xmlns:r="http://schemas.openxmlformats.org/officeDocument/2006/relationships" xmlns:p="http://schemas.openxmlformats.org/presentationml/2006/main">
   <p:cSld>
     <p:spTree>
@@ -4220,8 +4114,8 @@
           <a:lstStyle/>
           <a:p>
             <a:r>
-              <a:rPr kumimoji="1" lang="en-US" altLang="zh-CN" dirty="0" smtClean="0"/>
-              <a:t>Why We Choose This Topic?</a:t>
+              <a:rPr lang="en-US" altLang="zh-CN" dirty="0"/>
+              <a:t>Motivation </a:t>
             </a:r>
             <a:endParaRPr kumimoji="1" lang="zh-CN" altLang="en-US" dirty="0"/>
           </a:p>
@@ -4243,27 +4137,73 @@
           <a:lstStyle/>
           <a:p>
             <a:r>
-              <a:rPr kumimoji="1" lang="en-US" altLang="zh-CN" dirty="0" smtClean="0"/>
-              <a:t>We are interested in</a:t>
-            </a:r>
-          </a:p>
-          <a:p>
-            <a:r>
-              <a:rPr kumimoji="1" lang="en-US" altLang="zh-CN" dirty="0" err="1" smtClean="0"/>
-              <a:t>Entisar</a:t>
-            </a:r>
-            <a:r>
-              <a:rPr kumimoji="1" lang="en-US" altLang="zh-CN" dirty="0" smtClean="0"/>
-              <a:t> used</a:t>
-            </a:r>
-            <a:r>
-              <a:rPr kumimoji="1" lang="zh-CN" altLang="en-US" dirty="0" smtClean="0"/>
-              <a:t> </a:t>
-            </a:r>
-            <a:r>
-              <a:rPr kumimoji="1" lang="en-US" altLang="zh-CN" dirty="0" smtClean="0"/>
-              <a:t>to work in a hospital</a:t>
-            </a:r>
+              <a:rPr lang="en-US" altLang="zh-CN" dirty="0" smtClean="0"/>
+              <a:t>Improve </a:t>
+            </a:r>
+            <a:r>
+              <a:rPr lang="en-US" altLang="zh-CN" dirty="0"/>
+              <a:t>hospital's cost control </a:t>
+            </a:r>
+            <a:endParaRPr lang="en-US" altLang="zh-CN" dirty="0" smtClean="0"/>
+          </a:p>
+          <a:p>
+            <a:r>
+              <a:rPr lang="en-US" altLang="zh-CN" dirty="0"/>
+              <a:t>Improve the quality of patient care </a:t>
+            </a:r>
+            <a:endParaRPr lang="en-US" altLang="zh-CN" dirty="0" smtClean="0"/>
+          </a:p>
+          <a:p>
+            <a:r>
+              <a:rPr lang="en-US" altLang="zh-CN" dirty="0" smtClean="0"/>
+              <a:t>Increase </a:t>
+            </a:r>
+            <a:r>
+              <a:rPr lang="en-US" altLang="zh-CN" dirty="0"/>
+              <a:t>the timeliness and accuracy of </a:t>
+            </a:r>
+            <a:r>
+              <a:rPr lang="en-US" altLang="zh-CN" dirty="0" smtClean="0"/>
+              <a:t>administration </a:t>
+            </a:r>
+            <a:r>
+              <a:rPr lang="en-US" altLang="zh-CN" dirty="0"/>
+              <a:t>information </a:t>
+            </a:r>
+          </a:p>
+          <a:p>
+            <a:r>
+              <a:rPr lang="en-US" altLang="zh-CN" dirty="0"/>
+              <a:t>I</a:t>
+            </a:r>
+            <a:r>
+              <a:rPr lang="en-US" altLang="zh-CN" dirty="0" smtClean="0"/>
+              <a:t>ncrease </a:t>
+            </a:r>
+            <a:r>
+              <a:rPr lang="en-US" altLang="zh-CN" dirty="0"/>
+              <a:t>service capacity </a:t>
+            </a:r>
+          </a:p>
+          <a:p>
+            <a:r>
+              <a:rPr lang="en-US" altLang="zh-CN" dirty="0"/>
+              <a:t>R</a:t>
+            </a:r>
+            <a:r>
+              <a:rPr lang="en-US" altLang="zh-CN" dirty="0" smtClean="0"/>
+              <a:t>educe </a:t>
+            </a:r>
+            <a:r>
+              <a:rPr lang="en-US" altLang="zh-CN" dirty="0"/>
+              <a:t>personnel costs </a:t>
+            </a:r>
+          </a:p>
+          <a:p>
+            <a:endParaRPr lang="en-US" altLang="zh-CN" dirty="0"/>
+          </a:p>
+          <a:p>
+            <a:endParaRPr lang="en-US" altLang="zh-CN" dirty="0"/>
           </a:p>
           <a:p>
             <a:endParaRPr kumimoji="1" lang="zh-CN" altLang="en-US" dirty="0"/>
@@ -4273,7 +4213,7 @@
     </p:spTree>
     <p:extLst>
       <p:ext uri="{BB962C8B-B14F-4D97-AF65-F5344CB8AC3E}">
-        <p14:creationId xmlns:p14="http://schemas.microsoft.com/office/powerpoint/2010/main" val="1663849634"/>
+        <p14:creationId xmlns:p14="http://schemas.microsoft.com/office/powerpoint/2010/main" val="68759922"/>
       </p:ext>
     </p:extLst>
   </p:cSld>
@@ -4317,7 +4257,19 @@
           <a:p>
             <a:r>
               <a:rPr lang="en-US" altLang="zh-CN" dirty="0"/>
-              <a:t>Motivation </a:t>
+              <a:t>R</a:t>
+            </a:r>
+            <a:r>
+              <a:rPr lang="en-US" altLang="zh-CN" dirty="0" smtClean="0"/>
+              <a:t>elated </a:t>
+            </a:r>
+            <a:r>
+              <a:rPr lang="en-US" altLang="zh-CN" dirty="0"/>
+              <a:t>W</a:t>
+            </a:r>
+            <a:r>
+              <a:rPr lang="en-US" altLang="zh-CN" dirty="0" smtClean="0"/>
+              <a:t>ork</a:t>
             </a:r>
             <a:endParaRPr kumimoji="1" lang="zh-CN" altLang="en-US" dirty="0"/>
           </a:p>
@@ -4339,72 +4291,58 @@
           <a:lstStyle/>
           <a:p>
             <a:r>
+              <a:rPr lang="en-US" altLang="zh-CN" dirty="0"/>
+              <a:t>Best Practices in the Design and Development of Health Care Information Systems </a:t>
+            </a:r>
+            <a:r>
               <a:rPr lang="en-US" altLang="zh-CN" dirty="0" smtClean="0"/>
-              <a:t>Improve </a:t>
+              <a:t>(Paper)</a:t>
+            </a:r>
+          </a:p>
+          <a:p>
+            <a:r>
+              <a:rPr lang="en-US" altLang="zh-CN" dirty="0" err="1" smtClean="0"/>
+              <a:t>OpenEMR</a:t>
+            </a:r>
+            <a:r>
+              <a:rPr lang="en-US" altLang="zh-CN" dirty="0" smtClean="0"/>
+              <a:t>. Open </a:t>
             </a:r>
             <a:r>
               <a:rPr lang="en-US" altLang="zh-CN" dirty="0"/>
-              <a:t>hospital's cost control </a:t>
-            </a:r>
-            <a:endParaRPr lang="en-US" altLang="zh-CN" dirty="0" smtClean="0"/>
-          </a:p>
-          <a:p>
+              <a:t>source electronic health records and medical practice management solution</a:t>
+            </a:r>
+            <a:r>
+              <a:rPr lang="en-US" altLang="zh-CN" dirty="0" smtClean="0"/>
+              <a:t>. http</a:t>
+            </a:r>
             <a:r>
               <a:rPr lang="en-US" altLang="zh-CN" dirty="0"/>
-              <a:t>Improve the quality of patient care </a:t>
-            </a:r>
-            <a:endParaRPr lang="en-US" altLang="zh-CN" dirty="0" smtClean="0"/>
-          </a:p>
-          <a:p>
+              <a:t>://</a:t>
+            </a:r>
+            <a:r>
+              <a:rPr lang="en-US" altLang="zh-CN" dirty="0" err="1"/>
+              <a:t>www.open-emr.org</a:t>
+            </a:r>
+            <a:r>
+              <a:rPr lang="en-US" altLang="zh-CN" dirty="0"/>
+              <a:t> </a:t>
+            </a:r>
             <a:r>
               <a:rPr lang="en-US" altLang="zh-CN" dirty="0" smtClean="0"/>
-              <a:t>Increase </a:t>
-            </a:r>
+              <a:t>(Website) </a:t>
+            </a:r>
+            <a:endParaRPr lang="en-US" altLang="zh-CN" dirty="0"/>
+          </a:p>
+          <a:p>
             <a:r>
               <a:rPr lang="en-US" altLang="zh-CN" dirty="0"/>
-              <a:t>the timeliness and accuracy of </a:t>
+              <a:t>Applying UML and Patterns: An Introduction to Object-Oriented Analysis and Design and Iterative Development </a:t>
             </a:r>
             <a:r>
               <a:rPr lang="en-US" altLang="zh-CN" dirty="0" smtClean="0"/>
-              <a:t>administration </a:t>
-            </a:r>
-            <a:r>
-              <a:rPr lang="en-US" altLang="zh-CN" dirty="0"/>
-              <a:t>information </a:t>
-            </a:r>
-          </a:p>
-          <a:p>
-            <a:r>
-              <a:rPr lang="en-US" altLang="zh-CN" dirty="0"/>
-              <a:t>I</a:t>
-            </a:r>
-            <a:r>
-              <a:rPr lang="en-US" altLang="zh-CN" dirty="0" smtClean="0"/>
-              <a:t>ncrease </a:t>
-            </a:r>
-            <a:r>
-              <a:rPr lang="en-US" altLang="zh-CN" dirty="0"/>
-              <a:t>service capacity </a:t>
-            </a:r>
-          </a:p>
-          <a:p>
-            <a:r>
-              <a:rPr lang="en-US" altLang="zh-CN" dirty="0"/>
-              <a:t>R</a:t>
-            </a:r>
-            <a:r>
-              <a:rPr lang="en-US" altLang="zh-CN" dirty="0" smtClean="0"/>
-              <a:t>educe </a:t>
-            </a:r>
-            <a:r>
-              <a:rPr lang="en-US" altLang="zh-CN" dirty="0"/>
-              <a:t>personnel costs </a:t>
-            </a:r>
-          </a:p>
-          <a:p>
-            <a:endParaRPr lang="en-US" altLang="zh-CN" dirty="0"/>
-          </a:p>
-          <a:p>
+              <a:t>(Textbook)</a:t>
+            </a:r>
             <a:endParaRPr lang="en-US" altLang="zh-CN" dirty="0"/>
           </a:p>
           <a:p>
@@ -4415,7 +4353,7 @@
     </p:spTree>
     <p:extLst>
       <p:ext uri="{BB962C8B-B14F-4D97-AF65-F5344CB8AC3E}">
-        <p14:creationId xmlns:p14="http://schemas.microsoft.com/office/powerpoint/2010/main" val="68759922"/>
+        <p14:creationId xmlns:p14="http://schemas.microsoft.com/office/powerpoint/2010/main" val="1478792109"/>
       </p:ext>
     </p:extLst>
   </p:cSld>
@@ -4452,146 +4390,6 @@
             <p:ph type="title"/>
           </p:nvPr>
         </p:nvSpPr>
-        <p:spPr/>
-        <p:txBody>
-          <a:bodyPr/>
-          <a:lstStyle/>
-          <a:p>
-            <a:r>
-              <a:rPr lang="en-US" altLang="zh-CN" dirty="0"/>
-              <a:t>R</a:t>
-            </a:r>
-            <a:r>
-              <a:rPr lang="en-US" altLang="zh-CN" dirty="0" smtClean="0"/>
-              <a:t>elated </a:t>
-            </a:r>
-            <a:r>
-              <a:rPr lang="en-US" altLang="zh-CN" dirty="0"/>
-              <a:t>W</a:t>
-            </a:r>
-            <a:r>
-              <a:rPr lang="en-US" altLang="zh-CN" dirty="0" smtClean="0"/>
-              <a:t>ork</a:t>
-            </a:r>
-            <a:endParaRPr kumimoji="1" lang="zh-CN" altLang="en-US" dirty="0"/>
-          </a:p>
-        </p:txBody>
-      </p:sp>
-      <p:sp>
-        <p:nvSpPr>
-          <p:cNvPr id="3" name="内容占位符 2"/>
-          <p:cNvSpPr>
-            <a:spLocks noGrp="1"/>
-          </p:cNvSpPr>
-          <p:nvPr>
-            <p:ph idx="1"/>
-          </p:nvPr>
-        </p:nvSpPr>
-        <p:spPr/>
-        <p:txBody>
-          <a:bodyPr/>
-          <a:lstStyle/>
-          <a:p>
-            <a:r>
-              <a:rPr lang="en-US" altLang="zh-CN" dirty="0"/>
-              <a:t>Best Practices in the Design and Development of Health Care Information Systems </a:t>
-            </a:r>
-            <a:r>
-              <a:rPr lang="en-US" altLang="zh-CN" dirty="0" smtClean="0"/>
-              <a:t>(Paper)</a:t>
-            </a:r>
-          </a:p>
-          <a:p>
-            <a:r>
-              <a:rPr lang="en-US" altLang="zh-CN" dirty="0" err="1" smtClean="0"/>
-              <a:t>OpenEMR</a:t>
-            </a:r>
-            <a:r>
-              <a:rPr lang="en-US" altLang="zh-CN" dirty="0" smtClean="0"/>
-              <a:t>. Open </a:t>
-            </a:r>
-            <a:r>
-              <a:rPr lang="en-US" altLang="zh-CN" dirty="0"/>
-              <a:t>source electronic health records and medical practice management solution</a:t>
-            </a:r>
-            <a:r>
-              <a:rPr lang="en-US" altLang="zh-CN" dirty="0" smtClean="0"/>
-              <a:t>. http</a:t>
-            </a:r>
-            <a:r>
-              <a:rPr lang="en-US" altLang="zh-CN" dirty="0"/>
-              <a:t>://</a:t>
-            </a:r>
-            <a:r>
-              <a:rPr lang="en-US" altLang="zh-CN" dirty="0" err="1"/>
-              <a:t>www.open-emr.org</a:t>
-            </a:r>
-            <a:r>
-              <a:rPr lang="en-US" altLang="zh-CN" dirty="0"/>
-              <a:t> </a:t>
-            </a:r>
-            <a:r>
-              <a:rPr lang="en-US" altLang="zh-CN" dirty="0" smtClean="0"/>
-              <a:t>(Website) </a:t>
-            </a:r>
-            <a:endParaRPr lang="en-US" altLang="zh-CN" dirty="0"/>
-          </a:p>
-          <a:p>
-            <a:r>
-              <a:rPr lang="en-US" altLang="zh-CN" dirty="0"/>
-              <a:t>Applying UML and Patterns: An Introduction to Object-Oriented Analysis and Design and Iterative Development </a:t>
-            </a:r>
-            <a:r>
-              <a:rPr lang="en-US" altLang="zh-CN" dirty="0" smtClean="0"/>
-              <a:t>(Textbook)</a:t>
-            </a:r>
-            <a:endParaRPr lang="en-US" altLang="zh-CN" dirty="0"/>
-          </a:p>
-          <a:p>
-            <a:endParaRPr kumimoji="1" lang="zh-CN" altLang="en-US" dirty="0"/>
-          </a:p>
-        </p:txBody>
-      </p:sp>
-    </p:spTree>
-    <p:extLst>
-      <p:ext uri="{BB962C8B-B14F-4D97-AF65-F5344CB8AC3E}">
-        <p14:creationId xmlns:p14="http://schemas.microsoft.com/office/powerpoint/2010/main" val="1478792109"/>
-      </p:ext>
-    </p:extLst>
-  </p:cSld>
-  <p:clrMapOvr>
-    <a:masterClrMapping/>
-  </p:clrMapOvr>
-</p:sld>
-</file>
-
-<file path=ppt/slides/slide5.xml><?xml version="1.0" encoding="utf-8"?>
-<p:sld xmlns:a="http://schemas.openxmlformats.org/drawingml/2006/main" xmlns:r="http://schemas.openxmlformats.org/officeDocument/2006/relationships" xmlns:p="http://schemas.openxmlformats.org/presentationml/2006/main">
-  <p:cSld>
-    <p:spTree>
-      <p:nvGrpSpPr>
-        <p:cNvPr id="1" name=""/>
-        <p:cNvGrpSpPr/>
-        <p:nvPr/>
-      </p:nvGrpSpPr>
-      <p:grpSpPr>
-        <a:xfrm>
-          <a:off x="0" y="0"/>
-          <a:ext cx="0" cy="0"/>
-          <a:chOff x="0" y="0"/>
-          <a:chExt cx="0" cy="0"/>
-        </a:xfrm>
-      </p:grpSpPr>
-      <p:sp>
-        <p:nvSpPr>
-          <p:cNvPr id="2" name="标题 1"/>
-          <p:cNvSpPr>
-            <a:spLocks noGrp="1"/>
-          </p:cNvSpPr>
-          <p:nvPr>
-            <p:ph type="title"/>
-          </p:nvPr>
-        </p:nvSpPr>
         <p:spPr>
           <a:xfrm>
             <a:off x="1371600" y="661737"/>
@@ -4877,7 +4675,7 @@
 </p:sld>
 </file>
 
-<file path=ppt/slides/slide6.xml><?xml version="1.0" encoding="utf-8"?>
+<file path=ppt/slides/slide5.xml><?xml version="1.0" encoding="utf-8"?>
 <p:sld xmlns:a="http://schemas.openxmlformats.org/drawingml/2006/main" xmlns:r="http://schemas.openxmlformats.org/officeDocument/2006/relationships" xmlns:p="http://schemas.openxmlformats.org/presentationml/2006/main">
   <p:cSld>
     <p:spTree>
@@ -5504,7 +5302,7 @@
 </p:sld>
 </file>
 
-<file path=ppt/slides/slide7.xml><?xml version="1.0" encoding="utf-8"?>
+<file path=ppt/slides/slide6.xml><?xml version="1.0" encoding="utf-8"?>
 <p:sld xmlns:a="http://schemas.openxmlformats.org/drawingml/2006/main" xmlns:r="http://schemas.openxmlformats.org/officeDocument/2006/relationships" xmlns:p="http://schemas.openxmlformats.org/presentationml/2006/main">
   <p:cSld>
     <p:spTree>
@@ -5854,7 +5652,7 @@
 </p:sld>
 </file>
 
-<file path=ppt/slides/slide8.xml><?xml version="1.0" encoding="utf-8"?>
+<file path=ppt/slides/slide7.xml><?xml version="1.0" encoding="utf-8"?>
 <p:sld xmlns:a="http://schemas.openxmlformats.org/drawingml/2006/main" xmlns:r="http://schemas.openxmlformats.org/officeDocument/2006/relationships" xmlns:p="http://schemas.openxmlformats.org/presentationml/2006/main">
   <p:cSld>
     <p:spTree>
@@ -5950,7 +5748,7 @@
 </p:sld>
 </file>
 
-<file path=ppt/slides/slide9.xml><?xml version="1.0" encoding="utf-8"?>
+<file path=ppt/slides/slide8.xml><?xml version="1.0" encoding="utf-8"?>
 <p:sld xmlns:a="http://schemas.openxmlformats.org/drawingml/2006/main" xmlns:r="http://schemas.openxmlformats.org/officeDocument/2006/relationships" xmlns:p="http://schemas.openxmlformats.org/presentationml/2006/main">
   <p:cSld>
     <p:spTree>
@@ -6028,6 +5826,111 @@
     <p:extLst>
       <p:ext uri="{BB962C8B-B14F-4D97-AF65-F5344CB8AC3E}">
         <p14:creationId xmlns:p14="http://schemas.microsoft.com/office/powerpoint/2010/main" val="2145996668"/>
+      </p:ext>
+    </p:extLst>
+  </p:cSld>
+  <p:clrMapOvr>
+    <a:masterClrMapping/>
+  </p:clrMapOvr>
+  <p:timing>
+    <p:tnLst>
+      <p:par>
+        <p:cTn id="1" dur="indefinite" restart="never" nodeType="tmRoot"/>
+      </p:par>
+    </p:tnLst>
+  </p:timing>
+</p:sld>
+</file>
+
+<file path=ppt/slides/slide9.xml><?xml version="1.0" encoding="utf-8"?>
+<p:sld xmlns:a="http://schemas.openxmlformats.org/drawingml/2006/main" xmlns:r="http://schemas.openxmlformats.org/officeDocument/2006/relationships" xmlns:p="http://schemas.openxmlformats.org/presentationml/2006/main">
+  <p:cSld>
+    <p:spTree>
+      <p:nvGrpSpPr>
+        <p:cNvPr id="1" name=""/>
+        <p:cNvGrpSpPr/>
+        <p:nvPr/>
+      </p:nvGrpSpPr>
+      <p:grpSpPr>
+        <a:xfrm>
+          <a:off x="0" y="0"/>
+          <a:ext cx="0" cy="0"/>
+          <a:chOff x="0" y="0"/>
+          <a:chExt cx="0" cy="0"/>
+        </a:xfrm>
+      </p:grpSpPr>
+      <p:sp>
+        <p:nvSpPr>
+          <p:cNvPr id="2" name="标题 1"/>
+          <p:cNvSpPr>
+            <a:spLocks noGrp="1"/>
+          </p:cNvSpPr>
+          <p:nvPr>
+            <p:ph type="title"/>
+          </p:nvPr>
+        </p:nvSpPr>
+        <p:spPr>
+          <a:xfrm>
+            <a:off x="814388" y="157162"/>
+            <a:ext cx="9601200" cy="1485900"/>
+          </a:xfrm>
+        </p:spPr>
+        <p:txBody>
+          <a:bodyPr/>
+          <a:lstStyle/>
+          <a:p>
+            <a:r>
+              <a:rPr lang="en-US" altLang="zh-CN" dirty="0"/>
+              <a:t>S</a:t>
+            </a:r>
+            <a:r>
+              <a:rPr lang="en-US" altLang="zh-CN" dirty="0" smtClean="0"/>
+              <a:t>equence Diagram and </a:t>
+            </a:r>
+            <a:br>
+              <a:rPr lang="en-US" altLang="zh-CN" dirty="0" smtClean="0"/>
+            </a:br>
+            <a:r>
+              <a:rPr lang="en-US" altLang="zh-CN" dirty="0" smtClean="0"/>
+              <a:t>GRASP Principles</a:t>
+            </a:r>
+            <a:endParaRPr kumimoji="1" lang="zh-CN" altLang="en-US" dirty="0"/>
+          </a:p>
+        </p:txBody>
+      </p:sp>
+      <p:pic>
+        <p:nvPicPr>
+          <p:cNvPr id="4" name="内容占位符 3"/>
+          <p:cNvPicPr>
+            <a:picLocks noGrp="1" noChangeAspect="1"/>
+          </p:cNvPicPr>
+          <p:nvPr>
+            <p:ph idx="1"/>
+          </p:nvPr>
+        </p:nvPicPr>
+        <p:blipFill>
+          <a:blip r:embed="rId2">
+            <a:extLst>
+              <a:ext uri="{28A0092B-C50C-407E-A947-70E740481C1C}">
+                <a14:useLocalDpi xmlns:a14="http://schemas.microsoft.com/office/drawing/2010/main" val="0"/>
+              </a:ext>
+            </a:extLst>
+          </a:blip>
+          <a:stretch>
+            <a:fillRect/>
+          </a:stretch>
+        </p:blipFill>
+        <p:spPr>
+          <a:xfrm>
+            <a:off x="6572250" y="157162"/>
+            <a:ext cx="5386571" cy="6565264"/>
+          </a:xfrm>
+        </p:spPr>
+      </p:pic>
+    </p:spTree>
+    <p:extLst>
+      <p:ext uri="{BB962C8B-B14F-4D97-AF65-F5344CB8AC3E}">
+        <p14:creationId xmlns:p14="http://schemas.microsoft.com/office/powerpoint/2010/main" val="2074930279"/>
       </p:ext>
     </p:extLst>
   </p:cSld>

--- a/Presentation/Software Design Methods Slide.pptx
+++ b/Presentation/Software Design Methods Slide.pptx
@@ -15,7 +15,8 @@
     <p:sldId id="269" r:id="rId9"/>
     <p:sldId id="265" r:id="rId10"/>
     <p:sldId id="266" r:id="rId11"/>
-    <p:sldId id="267" r:id="rId12"/>
+    <p:sldId id="270" r:id="rId12"/>
+    <p:sldId id="267" r:id="rId13"/>
   </p:sldIdLst>
   <p:sldSz cx="12192000" cy="6858000"/>
   <p:notesSz cx="6858000" cy="9144000"/>
@@ -178,7 +179,7 @@
           </a:lstStyle>
           <a:p>
             <a:r>
-              <a:rPr lang="zh-CN" altLang="en-US" smtClean="0"/>
+              <a:rPr lang="zh-CN" altLang="en-US"/>
               <a:t>单击此处编辑母版标题样式</a:t>
             </a:r>
             <a:endParaRPr lang="en-US" dirty="0"/>
@@ -254,7 +255,7 @@
           </a:lstStyle>
           <a:p>
             <a:r>
-              <a:rPr lang="zh-CN" altLang="en-US" smtClean="0"/>
+              <a:rPr lang="zh-CN" altLang="en-US"/>
               <a:t>单击此处编辑母版副标题样式</a:t>
             </a:r>
             <a:endParaRPr lang="en-US" dirty="0"/>
@@ -537,7 +538,7 @@
           <a:lstStyle/>
           <a:p>
             <a:r>
-              <a:rPr lang="zh-CN" altLang="en-US" smtClean="0"/>
+              <a:rPr lang="zh-CN" altLang="en-US"/>
               <a:t>单击此处编辑母版标题样式</a:t>
             </a:r>
             <a:endParaRPr lang="en-US" dirty="0"/>
@@ -566,35 +567,35 @@
           <a:p>
             <a:pPr lvl="0"/>
             <a:r>
-              <a:rPr lang="zh-CN" altLang="en-US" smtClean="0"/>
+              <a:rPr lang="zh-CN" altLang="en-US"/>
               <a:t>单击此处编辑母版文本样式</a:t>
             </a:r>
           </a:p>
           <a:p>
             <a:pPr lvl="1"/>
             <a:r>
-              <a:rPr lang="zh-CN" altLang="en-US" smtClean="0"/>
+              <a:rPr lang="zh-CN" altLang="en-US"/>
               <a:t>二级</a:t>
             </a:r>
           </a:p>
           <a:p>
             <a:pPr lvl="2"/>
             <a:r>
-              <a:rPr lang="zh-CN" altLang="en-US" smtClean="0"/>
+              <a:rPr lang="zh-CN" altLang="en-US"/>
               <a:t>三级</a:t>
             </a:r>
           </a:p>
           <a:p>
             <a:pPr lvl="3"/>
             <a:r>
-              <a:rPr lang="zh-CN" altLang="en-US" smtClean="0"/>
+              <a:rPr lang="zh-CN" altLang="en-US"/>
               <a:t>四级</a:t>
             </a:r>
           </a:p>
           <a:p>
             <a:pPr lvl="4"/>
             <a:r>
-              <a:rPr lang="zh-CN" altLang="en-US" smtClean="0"/>
+              <a:rPr lang="zh-CN" altLang="en-US"/>
               <a:t>五级</a:t>
             </a:r>
             <a:endParaRPr lang="en-US" dirty="0"/>
@@ -712,7 +713,7 @@
           <a:lstStyle/>
           <a:p>
             <a:r>
-              <a:rPr lang="zh-CN" altLang="en-US" smtClean="0"/>
+              <a:rPr lang="zh-CN" altLang="en-US"/>
               <a:t>单击此处编辑母版标题样式</a:t>
             </a:r>
             <a:endParaRPr lang="en-US" dirty="0"/>
@@ -741,35 +742,35 @@
           <a:p>
             <a:pPr lvl="0"/>
             <a:r>
-              <a:rPr lang="zh-CN" altLang="en-US" smtClean="0"/>
+              <a:rPr lang="zh-CN" altLang="en-US"/>
               <a:t>单击此处编辑母版文本样式</a:t>
             </a:r>
           </a:p>
           <a:p>
             <a:pPr lvl="1"/>
             <a:r>
-              <a:rPr lang="zh-CN" altLang="en-US" smtClean="0"/>
+              <a:rPr lang="zh-CN" altLang="en-US"/>
               <a:t>二级</a:t>
             </a:r>
           </a:p>
           <a:p>
             <a:pPr lvl="2"/>
             <a:r>
-              <a:rPr lang="zh-CN" altLang="en-US" smtClean="0"/>
+              <a:rPr lang="zh-CN" altLang="en-US"/>
               <a:t>三级</a:t>
             </a:r>
           </a:p>
           <a:p>
             <a:pPr lvl="3"/>
             <a:r>
-              <a:rPr lang="zh-CN" altLang="en-US" smtClean="0"/>
+              <a:rPr lang="zh-CN" altLang="en-US"/>
               <a:t>四级</a:t>
             </a:r>
           </a:p>
           <a:p>
             <a:pPr lvl="4"/>
             <a:r>
-              <a:rPr lang="zh-CN" altLang="en-US" smtClean="0"/>
+              <a:rPr lang="zh-CN" altLang="en-US"/>
               <a:t>五级</a:t>
             </a:r>
             <a:endParaRPr lang="en-US" dirty="0"/>
@@ -882,7 +883,7 @@
           <a:lstStyle/>
           <a:p>
             <a:r>
-              <a:rPr lang="zh-CN" altLang="en-US" smtClean="0"/>
+              <a:rPr lang="zh-CN" altLang="en-US"/>
               <a:t>单击此处编辑母版标题样式</a:t>
             </a:r>
             <a:endParaRPr lang="en-US" dirty="0"/>
@@ -906,35 +907,35 @@
           <a:p>
             <a:pPr lvl="0"/>
             <a:r>
-              <a:rPr lang="zh-CN" altLang="en-US" smtClean="0"/>
+              <a:rPr lang="zh-CN" altLang="en-US"/>
               <a:t>单击此处编辑母版文本样式</a:t>
             </a:r>
           </a:p>
           <a:p>
             <a:pPr lvl="1"/>
             <a:r>
-              <a:rPr lang="zh-CN" altLang="en-US" smtClean="0"/>
+              <a:rPr lang="zh-CN" altLang="en-US"/>
               <a:t>二级</a:t>
             </a:r>
           </a:p>
           <a:p>
             <a:pPr lvl="2"/>
             <a:r>
-              <a:rPr lang="zh-CN" altLang="en-US" smtClean="0"/>
+              <a:rPr lang="zh-CN" altLang="en-US"/>
               <a:t>三级</a:t>
             </a:r>
           </a:p>
           <a:p>
             <a:pPr lvl="3"/>
             <a:r>
-              <a:rPr lang="zh-CN" altLang="en-US" smtClean="0"/>
+              <a:rPr lang="zh-CN" altLang="en-US"/>
               <a:t>四级</a:t>
             </a:r>
           </a:p>
           <a:p>
             <a:pPr lvl="4"/>
             <a:r>
-              <a:rPr lang="zh-CN" altLang="en-US" smtClean="0"/>
+              <a:rPr lang="zh-CN" altLang="en-US"/>
               <a:t>五级</a:t>
             </a:r>
             <a:endParaRPr lang="en-US" dirty="0"/>
@@ -1067,7 +1068,7 @@
           </a:lstStyle>
           <a:p>
             <a:r>
-              <a:rPr lang="zh-CN" altLang="en-US" smtClean="0"/>
+              <a:rPr lang="zh-CN" altLang="en-US"/>
               <a:t>单击此处编辑母版标题样式</a:t>
             </a:r>
             <a:endParaRPr lang="en-US" dirty="0"/>
@@ -1194,7 +1195,7 @@
           <a:p>
             <a:pPr lvl="0"/>
             <a:r>
-              <a:rPr lang="zh-CN" altLang="en-US" smtClean="0"/>
+              <a:rPr lang="zh-CN" altLang="en-US"/>
               <a:t>单击此处编辑母版文本样式</a:t>
             </a:r>
           </a:p>
@@ -1411,7 +1412,7 @@
           </a:lstStyle>
           <a:p>
             <a:r>
-              <a:rPr lang="zh-CN" altLang="en-US" smtClean="0"/>
+              <a:rPr lang="zh-CN" altLang="en-US"/>
               <a:t>单击此处编辑母版标题样式</a:t>
             </a:r>
             <a:endParaRPr lang="en-US" dirty="0"/>
@@ -1476,35 +1477,35 @@
           <a:p>
             <a:pPr lvl="0"/>
             <a:r>
-              <a:rPr lang="zh-CN" altLang="en-US" smtClean="0"/>
+              <a:rPr lang="zh-CN" altLang="en-US"/>
               <a:t>单击此处编辑母版文本样式</a:t>
             </a:r>
           </a:p>
           <a:p>
             <a:pPr lvl="1"/>
             <a:r>
-              <a:rPr lang="zh-CN" altLang="en-US" smtClean="0"/>
+              <a:rPr lang="zh-CN" altLang="en-US"/>
               <a:t>二级</a:t>
             </a:r>
           </a:p>
           <a:p>
             <a:pPr lvl="2"/>
             <a:r>
-              <a:rPr lang="zh-CN" altLang="en-US" smtClean="0"/>
+              <a:rPr lang="zh-CN" altLang="en-US"/>
               <a:t>三级</a:t>
             </a:r>
           </a:p>
           <a:p>
             <a:pPr lvl="3"/>
             <a:r>
-              <a:rPr lang="zh-CN" altLang="en-US" smtClean="0"/>
+              <a:rPr lang="zh-CN" altLang="en-US"/>
               <a:t>四级</a:t>
             </a:r>
           </a:p>
           <a:p>
             <a:pPr lvl="4"/>
             <a:r>
-              <a:rPr lang="zh-CN" altLang="en-US" smtClean="0"/>
+              <a:rPr lang="zh-CN" altLang="en-US"/>
               <a:t>五级</a:t>
             </a:r>
             <a:endParaRPr lang="en-US" dirty="0"/>
@@ -1569,35 +1570,35 @@
           <a:p>
             <a:pPr lvl="0"/>
             <a:r>
-              <a:rPr lang="zh-CN" altLang="en-US" smtClean="0"/>
+              <a:rPr lang="zh-CN" altLang="en-US"/>
               <a:t>单击此处编辑母版文本样式</a:t>
             </a:r>
           </a:p>
           <a:p>
             <a:pPr lvl="1"/>
             <a:r>
-              <a:rPr lang="zh-CN" altLang="en-US" smtClean="0"/>
+              <a:rPr lang="zh-CN" altLang="en-US"/>
               <a:t>二级</a:t>
             </a:r>
           </a:p>
           <a:p>
             <a:pPr lvl="2"/>
             <a:r>
-              <a:rPr lang="zh-CN" altLang="en-US" smtClean="0"/>
+              <a:rPr lang="zh-CN" altLang="en-US"/>
               <a:t>三级</a:t>
             </a:r>
           </a:p>
           <a:p>
             <a:pPr lvl="3"/>
             <a:r>
-              <a:rPr lang="zh-CN" altLang="en-US" smtClean="0"/>
+              <a:rPr lang="zh-CN" altLang="en-US"/>
               <a:t>四级</a:t>
             </a:r>
           </a:p>
           <a:p>
             <a:pPr lvl="4"/>
             <a:r>
-              <a:rPr lang="zh-CN" altLang="en-US" smtClean="0"/>
+              <a:rPr lang="zh-CN" altLang="en-US"/>
               <a:t>五级</a:t>
             </a:r>
             <a:endParaRPr lang="en-US" dirty="0"/>
@@ -1723,7 +1724,7 @@
           </a:lstStyle>
           <a:p>
             <a:r>
-              <a:rPr lang="zh-CN" altLang="en-US" smtClean="0"/>
+              <a:rPr lang="zh-CN" altLang="en-US"/>
               <a:t>单击此处编辑母版标题样式</a:t>
             </a:r>
             <a:endParaRPr lang="en-US" dirty="0"/>
@@ -1804,7 +1805,7 @@
           <a:p>
             <a:pPr lvl="0"/>
             <a:r>
-              <a:rPr lang="zh-CN" altLang="en-US" smtClean="0"/>
+              <a:rPr lang="zh-CN" altLang="en-US"/>
               <a:t>单击此处编辑母版文本样式</a:t>
             </a:r>
           </a:p>
@@ -1868,35 +1869,35 @@
           <a:p>
             <a:pPr lvl="0"/>
             <a:r>
-              <a:rPr lang="zh-CN" altLang="en-US" smtClean="0"/>
+              <a:rPr lang="zh-CN" altLang="en-US"/>
               <a:t>单击此处编辑母版文本样式</a:t>
             </a:r>
           </a:p>
           <a:p>
             <a:pPr lvl="1"/>
             <a:r>
-              <a:rPr lang="zh-CN" altLang="en-US" smtClean="0"/>
+              <a:rPr lang="zh-CN" altLang="en-US"/>
               <a:t>二级</a:t>
             </a:r>
           </a:p>
           <a:p>
             <a:pPr lvl="2"/>
             <a:r>
-              <a:rPr lang="zh-CN" altLang="en-US" smtClean="0"/>
+              <a:rPr lang="zh-CN" altLang="en-US"/>
               <a:t>三级</a:t>
             </a:r>
           </a:p>
           <a:p>
             <a:pPr lvl="3"/>
             <a:r>
-              <a:rPr lang="zh-CN" altLang="en-US" smtClean="0"/>
+              <a:rPr lang="zh-CN" altLang="en-US"/>
               <a:t>四级</a:t>
             </a:r>
           </a:p>
           <a:p>
             <a:pPr lvl="4"/>
             <a:r>
-              <a:rPr lang="zh-CN" altLang="en-US" smtClean="0"/>
+              <a:rPr lang="zh-CN" altLang="en-US"/>
               <a:t>五级</a:t>
             </a:r>
             <a:endParaRPr lang="en-US" dirty="0"/>
@@ -1977,7 +1978,7 @@
           <a:p>
             <a:pPr lvl="0"/>
             <a:r>
-              <a:rPr lang="zh-CN" altLang="en-US" smtClean="0"/>
+              <a:rPr lang="zh-CN" altLang="en-US"/>
               <a:t>单击此处编辑母版文本样式</a:t>
             </a:r>
           </a:p>
@@ -2041,35 +2042,35 @@
           <a:p>
             <a:pPr lvl="0"/>
             <a:r>
-              <a:rPr lang="zh-CN" altLang="en-US" smtClean="0"/>
+              <a:rPr lang="zh-CN" altLang="en-US"/>
               <a:t>单击此处编辑母版文本样式</a:t>
             </a:r>
           </a:p>
           <a:p>
             <a:pPr lvl="1"/>
             <a:r>
-              <a:rPr lang="zh-CN" altLang="en-US" smtClean="0"/>
+              <a:rPr lang="zh-CN" altLang="en-US"/>
               <a:t>二级</a:t>
             </a:r>
           </a:p>
           <a:p>
             <a:pPr lvl="2"/>
             <a:r>
-              <a:rPr lang="zh-CN" altLang="en-US" smtClean="0"/>
+              <a:rPr lang="zh-CN" altLang="en-US"/>
               <a:t>三级</a:t>
             </a:r>
           </a:p>
           <a:p>
             <a:pPr lvl="3"/>
             <a:r>
-              <a:rPr lang="zh-CN" altLang="en-US" smtClean="0"/>
+              <a:rPr lang="zh-CN" altLang="en-US"/>
               <a:t>四级</a:t>
             </a:r>
           </a:p>
           <a:p>
             <a:pPr lvl="4"/>
             <a:r>
-              <a:rPr lang="zh-CN" altLang="en-US" smtClean="0"/>
+              <a:rPr lang="zh-CN" altLang="en-US"/>
               <a:t>五级</a:t>
             </a:r>
             <a:endParaRPr lang="en-US" dirty="0"/>
@@ -2182,7 +2183,7 @@
           <a:lstStyle/>
           <a:p>
             <a:r>
-              <a:rPr lang="zh-CN" altLang="en-US" smtClean="0"/>
+              <a:rPr lang="zh-CN" altLang="en-US"/>
               <a:t>单击此处编辑母版标题样式</a:t>
             </a:r>
             <a:endParaRPr lang="en-US" dirty="0"/>
@@ -2441,7 +2442,7 @@
           </a:lstStyle>
           <a:p>
             <a:r>
-              <a:rPr lang="zh-CN" altLang="en-US" smtClean="0"/>
+              <a:rPr lang="zh-CN" altLang="en-US"/>
               <a:t>单击此处编辑母版标题样式</a:t>
             </a:r>
             <a:endParaRPr lang="en-US" dirty="0"/>
@@ -2498,35 +2499,35 @@
           <a:p>
             <a:pPr lvl="0"/>
             <a:r>
-              <a:rPr lang="zh-CN" altLang="en-US" smtClean="0"/>
+              <a:rPr lang="zh-CN" altLang="en-US"/>
               <a:t>单击此处编辑母版文本样式</a:t>
             </a:r>
           </a:p>
           <a:p>
             <a:pPr lvl="1"/>
             <a:r>
-              <a:rPr lang="zh-CN" altLang="en-US" smtClean="0"/>
+              <a:rPr lang="zh-CN" altLang="en-US"/>
               <a:t>二级</a:t>
             </a:r>
           </a:p>
           <a:p>
             <a:pPr lvl="2"/>
             <a:r>
-              <a:rPr lang="zh-CN" altLang="en-US" smtClean="0"/>
+              <a:rPr lang="zh-CN" altLang="en-US"/>
               <a:t>三级</a:t>
             </a:r>
           </a:p>
           <a:p>
             <a:pPr lvl="3"/>
             <a:r>
-              <a:rPr lang="zh-CN" altLang="en-US" smtClean="0"/>
+              <a:rPr lang="zh-CN" altLang="en-US"/>
               <a:t>四级</a:t>
             </a:r>
           </a:p>
           <a:p>
             <a:pPr lvl="4"/>
             <a:r>
-              <a:rPr lang="zh-CN" altLang="en-US" smtClean="0"/>
+              <a:rPr lang="zh-CN" altLang="en-US"/>
               <a:t>五级</a:t>
             </a:r>
             <a:endParaRPr lang="en-US" dirty="0"/>
@@ -2601,7 +2602,7 @@
           <a:p>
             <a:pPr lvl="0"/>
             <a:r>
-              <a:rPr lang="zh-CN" altLang="en-US" smtClean="0"/>
+              <a:rPr lang="zh-CN" altLang="en-US"/>
               <a:t>单击此处编辑母版文本样式</a:t>
             </a:r>
           </a:p>
@@ -2844,7 +2845,7 @@
           </a:lstStyle>
           <a:p>
             <a:r>
-              <a:rPr lang="zh-CN" altLang="en-US" smtClean="0"/>
+              <a:rPr lang="zh-CN" altLang="en-US"/>
               <a:t>单击此处编辑母版标题样式</a:t>
             </a:r>
             <a:endParaRPr lang="en-US" dirty="0"/>
@@ -2911,7 +2912,7 @@
           </a:lstStyle>
           <a:p>
             <a:r>
-              <a:rPr lang="zh-CN" altLang="en-US" smtClean="0"/>
+              <a:rPr lang="zh-CN" altLang="en-US"/>
               <a:t>将图片拖动到占位符，或单击添加图标</a:t>
             </a:r>
             <a:endParaRPr lang="en-US" dirty="0"/>
@@ -2986,7 +2987,7 @@
           <a:p>
             <a:pPr lvl="0"/>
             <a:r>
-              <a:rPr lang="zh-CN" altLang="en-US" smtClean="0"/>
+              <a:rPr lang="zh-CN" altLang="en-US"/>
               <a:t>单击此处编辑母版文本样式</a:t>
             </a:r>
           </a:p>
@@ -3195,7 +3196,7 @@
           <a:lstStyle/>
           <a:p>
             <a:r>
-              <a:rPr lang="zh-CN" altLang="en-US" smtClean="0"/>
+              <a:rPr lang="zh-CN" altLang="en-US"/>
               <a:t>单击此处编辑母版标题样式</a:t>
             </a:r>
             <a:endParaRPr lang="en-US" dirty="0"/>
@@ -3229,35 +3230,35 @@
           <a:p>
             <a:pPr lvl="0"/>
             <a:r>
-              <a:rPr lang="zh-CN" altLang="en-US" smtClean="0"/>
+              <a:rPr lang="zh-CN" altLang="en-US"/>
               <a:t>单击此处编辑母版文本样式</a:t>
             </a:r>
           </a:p>
           <a:p>
             <a:pPr lvl="1"/>
             <a:r>
-              <a:rPr lang="zh-CN" altLang="en-US" smtClean="0"/>
+              <a:rPr lang="zh-CN" altLang="en-US"/>
               <a:t>二级</a:t>
             </a:r>
           </a:p>
           <a:p>
             <a:pPr lvl="2"/>
             <a:r>
-              <a:rPr lang="zh-CN" altLang="en-US" smtClean="0"/>
+              <a:rPr lang="zh-CN" altLang="en-US"/>
               <a:t>三级</a:t>
             </a:r>
           </a:p>
           <a:p>
             <a:pPr lvl="3"/>
             <a:r>
-              <a:rPr lang="zh-CN" altLang="en-US" smtClean="0"/>
+              <a:rPr lang="zh-CN" altLang="en-US"/>
               <a:t>四级</a:t>
             </a:r>
           </a:p>
           <a:p>
             <a:pPr lvl="4"/>
             <a:r>
-              <a:rPr lang="zh-CN" altLang="en-US" smtClean="0"/>
+              <a:rPr lang="zh-CN" altLang="en-US"/>
               <a:t>五级</a:t>
             </a:r>
             <a:endParaRPr lang="en-US" dirty="0"/>
@@ -3879,26 +3880,22 @@
             </a:r>
             <a:r>
               <a:rPr lang="en-US" altLang="zh-CN" dirty="0"/>
-              <a:t> </a:t>
-            </a:r>
-            <a:r>
-              <a:rPr lang="en-US" altLang="zh-CN" dirty="0" smtClean="0"/>
-              <a:t>Zhu</a:t>
-            </a:r>
-          </a:p>
-          <a:p>
-            <a:r>
-              <a:rPr lang="en-US" altLang="zh-CN" dirty="0" smtClean="0"/>
+              <a:t> Zhu</a:t>
+            </a:r>
+          </a:p>
+          <a:p>
+            <a:r>
+              <a:rPr lang="en-US" altLang="zh-CN" dirty="0"/>
               <a:t>Lingjing Huang</a:t>
             </a:r>
           </a:p>
           <a:p>
             <a:r>
-              <a:rPr lang="en-US" altLang="zh-CN" dirty="0" err="1" smtClean="0"/>
+              <a:rPr lang="en-US" altLang="zh-CN" dirty="0" err="1"/>
               <a:t>Entisar</a:t>
             </a:r>
             <a:r>
-              <a:rPr lang="en-US" altLang="zh-CN" dirty="0" smtClean="0"/>
+              <a:rPr lang="en-US" altLang="zh-CN" dirty="0"/>
               <a:t> </a:t>
             </a:r>
             <a:r>
@@ -4050,6 +4047,93 @@
         </p:nvSpPr>
         <p:spPr>
           <a:xfrm>
+            <a:off x="1000125" y="200025"/>
+            <a:ext cx="9601200" cy="1485900"/>
+          </a:xfrm>
+        </p:spPr>
+        <p:txBody>
+          <a:bodyPr/>
+          <a:lstStyle/>
+          <a:p>
+            <a:r>
+              <a:rPr lang="en-US" altLang="zh-CN" dirty="0"/>
+              <a:t>Design Class Diagram</a:t>
+            </a:r>
+            <a:endParaRPr kumimoji="1" lang="zh-CN" altLang="en-US" dirty="0"/>
+          </a:p>
+        </p:txBody>
+      </p:sp>
+      <p:pic>
+        <p:nvPicPr>
+          <p:cNvPr id="7" name="内容占位符 6">
+            <a:extLst>
+              <a:ext uri="{FF2B5EF4-FFF2-40B4-BE49-F238E27FC236}">
+                <a16:creationId xmlns:a16="http://schemas.microsoft.com/office/drawing/2014/main" id="{715F39BB-3D72-4F4E-A338-0975671136BC}"/>
+              </a:ext>
+            </a:extLst>
+          </p:cNvPr>
+          <p:cNvPicPr>
+            <a:picLocks noGrp="1" noChangeAspect="1"/>
+          </p:cNvPicPr>
+          <p:nvPr>
+            <p:ph idx="1"/>
+          </p:nvPr>
+        </p:nvPicPr>
+        <p:blipFill>
+          <a:blip r:embed="rId2"/>
+          <a:stretch>
+            <a:fillRect/>
+          </a:stretch>
+        </p:blipFill>
+        <p:spPr>
+          <a:xfrm>
+            <a:off x="2243139" y="942975"/>
+            <a:ext cx="8358186" cy="5743575"/>
+          </a:xfrm>
+        </p:spPr>
+      </p:pic>
+    </p:spTree>
+    <p:extLst>
+      <p:ext uri="{BB962C8B-B14F-4D97-AF65-F5344CB8AC3E}">
+        <p14:creationId xmlns:p14="http://schemas.microsoft.com/office/powerpoint/2010/main" val="950532406"/>
+      </p:ext>
+    </p:extLst>
+  </p:cSld>
+  <p:clrMapOvr>
+    <a:masterClrMapping/>
+  </p:clrMapOvr>
+</p:sld>
+</file>
+
+<file path=ppt/slides/slide12.xml><?xml version="1.0" encoding="utf-8"?>
+<p:sld xmlns:a="http://schemas.openxmlformats.org/drawingml/2006/main" xmlns:r="http://schemas.openxmlformats.org/officeDocument/2006/relationships" xmlns:p="http://schemas.openxmlformats.org/presentationml/2006/main">
+  <p:cSld>
+    <p:spTree>
+      <p:nvGrpSpPr>
+        <p:cNvPr id="1" name=""/>
+        <p:cNvGrpSpPr/>
+        <p:nvPr/>
+      </p:nvGrpSpPr>
+      <p:grpSpPr>
+        <a:xfrm>
+          <a:off x="0" y="0"/>
+          <a:ext cx="0" cy="0"/>
+          <a:chOff x="0" y="0"/>
+          <a:chExt cx="0" cy="0"/>
+        </a:xfrm>
+      </p:grpSpPr>
+      <p:sp>
+        <p:nvSpPr>
+          <p:cNvPr id="2" name="标题 1"/>
+          <p:cNvSpPr>
+            <a:spLocks noGrp="1"/>
+          </p:cNvSpPr>
+          <p:nvPr>
+            <p:ph type="title"/>
+          </p:nvPr>
+        </p:nvSpPr>
+        <p:spPr>
+          <a:xfrm>
             <a:off x="1320800" y="2667000"/>
             <a:ext cx="9601200" cy="1485900"/>
           </a:xfrm>
@@ -4061,7 +4145,7 @@
           <a:lstStyle/>
           <a:p>
             <a:r>
-              <a:rPr kumimoji="1" lang="en-US" altLang="zh-CN" sz="6000" dirty="0" smtClean="0"/>
+              <a:rPr kumimoji="1" lang="en-US" altLang="zh-CN" sz="6000" dirty="0"/>
               <a:t>Thank you!</a:t>
             </a:r>
             <a:endParaRPr kumimoji="1" lang="zh-CN" altLang="en-US" sz="6000" dirty="0"/>
@@ -4137,66 +4221,32 @@
           <a:lstStyle/>
           <a:p>
             <a:r>
-              <a:rPr lang="en-US" altLang="zh-CN" dirty="0" smtClean="0"/>
-              <a:t>Improve </a:t>
-            </a:r>
-            <a:r>
               <a:rPr lang="en-US" altLang="zh-CN" dirty="0"/>
-              <a:t>hospital's cost control </a:t>
-            </a:r>
-            <a:endParaRPr lang="en-US" altLang="zh-CN" dirty="0" smtClean="0"/>
+              <a:t>Improve hospital's cost control </a:t>
+            </a:r>
           </a:p>
           <a:p>
             <a:r>
               <a:rPr lang="en-US" altLang="zh-CN" dirty="0"/>
               <a:t>Improve the quality of patient care </a:t>
             </a:r>
-            <a:endParaRPr lang="en-US" altLang="zh-CN" dirty="0" smtClean="0"/>
-          </a:p>
-          <a:p>
-            <a:r>
-              <a:rPr lang="en-US" altLang="zh-CN" dirty="0" smtClean="0"/>
-              <a:t>Increase </a:t>
-            </a:r>
+          </a:p>
+          <a:p>
             <a:r>
               <a:rPr lang="en-US" altLang="zh-CN" dirty="0"/>
-              <a:t>the timeliness and accuracy of </a:t>
-            </a:r>
-            <a:r>
-              <a:rPr lang="en-US" altLang="zh-CN" dirty="0" smtClean="0"/>
-              <a:t>administration </a:t>
-            </a:r>
+              <a:t>Increase the timeliness and accuracy of administration information </a:t>
+            </a:r>
+          </a:p>
+          <a:p>
             <a:r>
               <a:rPr lang="en-US" altLang="zh-CN" dirty="0"/>
-              <a:t>information </a:t>
+              <a:t>Increase service capacity </a:t>
             </a:r>
           </a:p>
           <a:p>
             <a:r>
               <a:rPr lang="en-US" altLang="zh-CN" dirty="0"/>
-              <a:t>I</a:t>
-            </a:r>
-            <a:r>
-              <a:rPr lang="en-US" altLang="zh-CN" dirty="0" smtClean="0"/>
-              <a:t>ncrease </a:t>
-            </a:r>
-            <a:r>
-              <a:rPr lang="en-US" altLang="zh-CN" dirty="0"/>
-              <a:t>service capacity </a:t>
-            </a:r>
-          </a:p>
-          <a:p>
-            <a:r>
-              <a:rPr lang="en-US" altLang="zh-CN" dirty="0"/>
-              <a:t>R</a:t>
-            </a:r>
-            <a:r>
-              <a:rPr lang="en-US" altLang="zh-CN" dirty="0" smtClean="0"/>
-              <a:t>educe </a:t>
-            </a:r>
-            <a:r>
-              <a:rPr lang="en-US" altLang="zh-CN" dirty="0"/>
-              <a:t>personnel costs </a:t>
+              <a:t>Reduce personnel costs </a:t>
             </a:r>
           </a:p>
           <a:p>
@@ -4257,19 +4307,7 @@
           <a:p>
             <a:r>
               <a:rPr lang="en-US" altLang="zh-CN" dirty="0"/>
-              <a:t>R</a:t>
-            </a:r>
-            <a:r>
-              <a:rPr lang="en-US" altLang="zh-CN" dirty="0" smtClean="0"/>
-              <a:t>elated </a:t>
-            </a:r>
-            <a:r>
-              <a:rPr lang="en-US" altLang="zh-CN" dirty="0"/>
-              <a:t>W</a:t>
-            </a:r>
-            <a:r>
-              <a:rPr lang="en-US" altLang="zh-CN" dirty="0" smtClean="0"/>
-              <a:t>ork</a:t>
+              <a:t>Related Work</a:t>
             </a:r>
             <a:endParaRPr kumimoji="1" lang="zh-CN" altLang="en-US" dirty="0"/>
           </a:p>
@@ -4292,33 +4330,17 @@
           <a:p>
             <a:r>
               <a:rPr lang="en-US" altLang="zh-CN" dirty="0"/>
-              <a:t>Best Practices in the Design and Development of Health Care Information Systems </a:t>
-            </a:r>
-            <a:r>
-              <a:rPr lang="en-US" altLang="zh-CN" dirty="0" smtClean="0"/>
-              <a:t>(Paper)</a:t>
-            </a:r>
-          </a:p>
-          <a:p>
-            <a:r>
-              <a:rPr lang="en-US" altLang="zh-CN" dirty="0" err="1" smtClean="0"/>
+              <a:t>Best Practices in the Design and Development of Health Care Information Systems (Paper)</a:t>
+            </a:r>
+          </a:p>
+          <a:p>
+            <a:r>
+              <a:rPr lang="en-US" altLang="zh-CN" dirty="0" err="1"/>
               <a:t>OpenEMR</a:t>
             </a:r>
             <a:r>
-              <a:rPr lang="en-US" altLang="zh-CN" dirty="0" smtClean="0"/>
-              <a:t>. Open </a:t>
-            </a:r>
-            <a:r>
               <a:rPr lang="en-US" altLang="zh-CN" dirty="0"/>
-              <a:t>source electronic health records and medical practice management solution</a:t>
-            </a:r>
-            <a:r>
-              <a:rPr lang="en-US" altLang="zh-CN" dirty="0" smtClean="0"/>
-              <a:t>. http</a:t>
-            </a:r>
-            <a:r>
-              <a:rPr lang="en-US" altLang="zh-CN" dirty="0"/>
-              <a:t>://</a:t>
+              <a:t>. Open source electronic health records and medical practice management solution. http://</a:t>
             </a:r>
             <a:r>
               <a:rPr lang="en-US" altLang="zh-CN" dirty="0" err="1"/>
@@ -4326,24 +4348,14 @@
             </a:r>
             <a:r>
               <a:rPr lang="en-US" altLang="zh-CN" dirty="0"/>
-              <a:t> </a:t>
-            </a:r>
-            <a:r>
-              <a:rPr lang="en-US" altLang="zh-CN" dirty="0" smtClean="0"/>
-              <a:t>(Website) </a:t>
-            </a:r>
-            <a:endParaRPr lang="en-US" altLang="zh-CN" dirty="0"/>
+              <a:t> (Website) </a:t>
+            </a:r>
           </a:p>
           <a:p>
             <a:r>
               <a:rPr lang="en-US" altLang="zh-CN" dirty="0"/>
-              <a:t>Applying UML and Patterns: An Introduction to Object-Oriented Analysis and Design and Iterative Development </a:t>
-            </a:r>
-            <a:r>
-              <a:rPr lang="en-US" altLang="zh-CN" dirty="0" smtClean="0"/>
-              <a:t>(Textbook)</a:t>
-            </a:r>
-            <a:endParaRPr lang="en-US" altLang="zh-CN" dirty="0"/>
+              <a:t>Applying UML and Patterns: An Introduction to Object-Oriented Analysis and Design and Iterative Development (Textbook)</a:t>
+            </a:r>
           </a:p>
           <a:p>
             <a:endParaRPr kumimoji="1" lang="zh-CN" altLang="en-US" dirty="0"/>
@@ -4401,7 +4413,7 @@
           <a:lstStyle/>
           <a:p>
             <a:r>
-              <a:rPr lang="en-US" altLang="zh-CN" dirty="0" smtClean="0"/>
+              <a:rPr lang="en-US" altLang="zh-CN" dirty="0"/>
               <a:t>What We Choose For The Use Case?</a:t>
             </a:r>
             <a:endParaRPr kumimoji="1" lang="zh-CN" altLang="en-US" dirty="0"/>
@@ -4437,13 +4449,13 @@
               <a:buNone/>
             </a:pPr>
             <a:r>
-              <a:rPr lang="en-US" altLang="zh-CN" sz="2400" dirty="0" smtClean="0">
+              <a:rPr lang="en-US" altLang="zh-CN" sz="2400" dirty="0">
                 <a:sym typeface="Times New Roman"/>
               </a:rPr>
               <a:t>1.</a:t>
             </a:r>
             <a:r>
-              <a:rPr lang="en-US" altLang="zh-CN" sz="2400" dirty="0" smtClean="0">
+              <a:rPr lang="en-US" altLang="zh-CN" sz="2400" dirty="0">
                 <a:latin typeface="Times New Roman"/>
                 <a:ea typeface="Times New Roman"/>
                 <a:cs typeface="Times New Roman"/>
@@ -4452,7 +4464,7 @@
               <a:t> </a:t>
             </a:r>
             <a:r>
-              <a:rPr lang="en-US" altLang="zh-CN" sz="2400" dirty="0" smtClean="0">
+              <a:rPr lang="en-US" altLang="zh-CN" sz="2400" dirty="0">
                 <a:solidFill>
                   <a:srgbClr val="38761D"/>
                 </a:solidFill>
@@ -4469,23 +4481,7 @@
                   <a:srgbClr val="FF0000"/>
                 </a:solidFill>
               </a:rPr>
-              <a:t>Patient </a:t>
-            </a:r>
-            <a:r>
-              <a:rPr lang="en-US" altLang="zh-CN" sz="2400" dirty="0" smtClean="0">
-                <a:solidFill>
-                  <a:srgbClr val="FF0000"/>
-                </a:solidFill>
-              </a:rPr>
-              <a:t>admission registration </a:t>
-            </a:r>
-            <a:r>
-              <a:rPr lang="en-US" altLang="zh-CN" sz="2400" dirty="0">
-                <a:solidFill>
-                  <a:srgbClr val="FF0000"/>
-                </a:solidFill>
-              </a:rPr>
-              <a:t>/ create patient</a:t>
+              <a:t>Patient admission registration / create patient</a:t>
             </a:r>
           </a:p>
           <a:p>
@@ -4503,11 +4499,11 @@
               <a:buNone/>
             </a:pPr>
             <a:r>
-              <a:rPr lang="en-US" altLang="zh-CN" sz="2400" dirty="0" smtClean="0"/>
+              <a:rPr lang="en-US" altLang="zh-CN" sz="2400" dirty="0"/>
               <a:t>2.</a:t>
             </a:r>
             <a:r>
-              <a:rPr lang="en-US" altLang="zh-CN" sz="2400" dirty="0" smtClean="0">
+              <a:rPr lang="en-US" altLang="zh-CN" sz="2400" dirty="0">
                 <a:latin typeface="Times New Roman"/>
                 <a:ea typeface="Times New Roman"/>
                 <a:cs typeface="Times New Roman"/>
@@ -4516,12 +4512,8 @@
               <a:t>   </a:t>
             </a:r>
             <a:r>
-              <a:rPr lang="en-US" altLang="zh-CN" sz="2400" dirty="0" smtClean="0"/>
-              <a:t>Medical </a:t>
-            </a:r>
-            <a:r>
               <a:rPr lang="en-US" altLang="zh-CN" sz="2400" dirty="0"/>
-              <a:t>records - Review / update patient medical records</a:t>
+              <a:t>Medical records - Review / update patient medical records</a:t>
             </a:r>
           </a:p>
           <a:p>
@@ -4539,11 +4531,11 @@
               <a:buNone/>
             </a:pPr>
             <a:r>
-              <a:rPr lang="en-US" altLang="zh-CN" sz="2400" dirty="0" smtClean="0"/>
+              <a:rPr lang="en-US" altLang="zh-CN" sz="2400" dirty="0"/>
               <a:t>3.</a:t>
             </a:r>
             <a:r>
-              <a:rPr lang="en-US" altLang="zh-CN" sz="2400" dirty="0" smtClean="0">
+              <a:rPr lang="en-US" altLang="zh-CN" sz="2400" dirty="0">
                 <a:latin typeface="Times New Roman"/>
                 <a:ea typeface="Times New Roman"/>
                 <a:cs typeface="Times New Roman"/>
@@ -4571,11 +4563,11 @@
               <a:buNone/>
             </a:pPr>
             <a:r>
-              <a:rPr lang="en-US" altLang="zh-CN" sz="2400" dirty="0" smtClean="0"/>
+              <a:rPr lang="en-US" altLang="zh-CN" sz="2400" dirty="0"/>
               <a:t>4.</a:t>
             </a:r>
             <a:r>
-              <a:rPr lang="en-US" altLang="zh-CN" sz="2400" dirty="0" smtClean="0">
+              <a:rPr lang="en-US" altLang="zh-CN" sz="2400" dirty="0">
                 <a:latin typeface="Times New Roman"/>
                 <a:ea typeface="Times New Roman"/>
                 <a:cs typeface="Times New Roman"/>
@@ -4599,11 +4591,11 @@
               <a:buNone/>
             </a:pPr>
             <a:r>
-              <a:rPr lang="en-US" altLang="zh-CN" sz="2400" dirty="0" smtClean="0"/>
+              <a:rPr lang="en-US" altLang="zh-CN" sz="2400" dirty="0"/>
               <a:t>5.</a:t>
             </a:r>
             <a:r>
-              <a:rPr lang="en-US" altLang="zh-CN" sz="2400" dirty="0" smtClean="0">
+              <a:rPr lang="en-US" altLang="zh-CN" sz="2400" dirty="0">
                 <a:latin typeface="Times New Roman"/>
                 <a:ea typeface="Times New Roman"/>
                 <a:cs typeface="Times New Roman"/>
@@ -4631,16 +4623,8 @@
               <a:buNone/>
             </a:pPr>
             <a:r>
-              <a:rPr lang="en-US" altLang="zh-CN" sz="2400" dirty="0" smtClean="0"/>
+              <a:rPr lang="en-US" altLang="zh-CN" sz="2400" dirty="0"/>
               <a:t>6.   </a:t>
-            </a:r>
-            <a:r>
-              <a:rPr lang="en-US" altLang="zh-CN" sz="2400" dirty="0" smtClean="0">
-                <a:solidFill>
-                  <a:schemeClr val="tx1"/>
-                </a:solidFill>
-              </a:rPr>
-              <a:t>Process </a:t>
             </a:r>
             <a:r>
               <a:rPr lang="en-US" altLang="zh-CN" sz="2400" dirty="0">
@@ -4648,7 +4632,7 @@
                   <a:schemeClr val="tx1"/>
                 </a:solidFill>
               </a:rPr>
-              <a:t>medical payment</a:t>
+              <a:t>Process medical payment</a:t>
             </a:r>
           </a:p>
           <a:p>
@@ -4714,27 +4698,7 @@
           <a:p>
             <a:r>
               <a:rPr lang="en-US" altLang="zh-CN" dirty="0"/>
-              <a:t>Use </a:t>
-            </a:r>
-            <a:r>
-              <a:rPr lang="en-US" altLang="zh-CN" dirty="0" smtClean="0"/>
-              <a:t>Fully </a:t>
-            </a:r>
-            <a:r>
-              <a:rPr lang="en-US" altLang="zh-CN" dirty="0"/>
-              <a:t>D</a:t>
-            </a:r>
-            <a:r>
-              <a:rPr lang="en-US" altLang="zh-CN" dirty="0" smtClean="0"/>
-              <a:t>ressed </a:t>
-            </a:r>
-            <a:r>
-              <a:rPr lang="en-US" altLang="zh-CN" dirty="0"/>
-              <a:t>T</a:t>
-            </a:r>
-            <a:r>
-              <a:rPr lang="en-US" altLang="zh-CN" dirty="0" smtClean="0"/>
-              <a:t>emplate</a:t>
+              <a:t>Use Fully Dressed Template</a:t>
             </a:r>
             <a:endParaRPr kumimoji="1" lang="zh-CN" altLang="en-US" dirty="0"/>
           </a:p>
@@ -4766,8 +4730,20 @@
                 <a:tableStyleId>{5C22544A-7EE6-4342-B048-85BDC9FD1C3A}</a:tableStyleId>
               </a:tblPr>
               <a:tblGrid>
-                <a:gridCol w="1889641"/>
-                <a:gridCol w="7170138"/>
+                <a:gridCol w="1889641">
+                  <a:extLst>
+                    <a:ext uri="{9D8B030D-6E8A-4147-A177-3AD203B41FA5}">
+                      <a16:colId xmlns:a16="http://schemas.microsoft.com/office/drawing/2014/main" val="20000"/>
+                    </a:ext>
+                  </a:extLst>
+                </a:gridCol>
+                <a:gridCol w="7170138">
+                  <a:extLst>
+                    <a:ext uri="{9D8B030D-6E8A-4147-A177-3AD203B41FA5}">
+                      <a16:colId xmlns:a16="http://schemas.microsoft.com/office/drawing/2014/main" val="20001"/>
+                    </a:ext>
+                  </a:extLst>
+                </a:gridCol>
               </a:tblGrid>
               <a:tr h="211478">
                 <a:tc>
@@ -4822,6 +4798,11 @@
                   </a:txBody>
                   <a:tcPr marL="51655" marR="51655" marT="0" marB="0"/>
                 </a:tc>
+                <a:extLst>
+                  <a:ext uri="{0D108BD9-81ED-4DB2-BD59-A6C34878D82A}">
+                    <a16:rowId xmlns:a16="http://schemas.microsoft.com/office/drawing/2014/main" val="10000"/>
+                  </a:ext>
+                </a:extLst>
               </a:tr>
               <a:tr h="1480347">
                 <a:tc>
@@ -4964,6 +4945,11 @@
                   </a:txBody>
                   <a:tcPr marL="51655" marR="51655" marT="0" marB="0"/>
                 </a:tc>
+                <a:extLst>
+                  <a:ext uri="{0D108BD9-81ED-4DB2-BD59-A6C34878D82A}">
+                    <a16:rowId xmlns:a16="http://schemas.microsoft.com/office/drawing/2014/main" val="10001"/>
+                  </a:ext>
+                </a:extLst>
               </a:tr>
               <a:tr h="422956">
                 <a:tc>
@@ -5018,6 +5004,11 @@
                   </a:txBody>
                   <a:tcPr marL="51655" marR="51655" marT="0" marB="0"/>
                 </a:tc>
+                <a:extLst>
+                  <a:ext uri="{0D108BD9-81ED-4DB2-BD59-A6C34878D82A}">
+                    <a16:rowId xmlns:a16="http://schemas.microsoft.com/office/drawing/2014/main" val="10002"/>
+                  </a:ext>
+                </a:extLst>
               </a:tr>
               <a:tr h="3383651">
                 <a:tc>
@@ -5260,19 +5251,7 @@
                         <a:rPr lang="en-US" sz="1600" kern="100" dirty="0">
                           <a:effectLst/>
                         </a:rPr>
-                        <a:t>System </a:t>
-                      </a:r>
-                      <a:r>
-                        <a:rPr lang="en-US" sz="1600" kern="100" dirty="0" smtClean="0">
-                          <a:effectLst/>
-                        </a:rPr>
-                        <a:t>display </a:t>
-                      </a:r>
-                      <a:r>
-                        <a:rPr lang="en-US" sz="1600" kern="100" dirty="0">
-                          <a:effectLst/>
-                        </a:rPr>
-                        <a:t>the confirmation message.</a:t>
+                        <a:t>System display the confirmation message.</a:t>
                       </a:r>
                       <a:endParaRPr lang="zh-CN" sz="1600" kern="100" dirty="0">
                         <a:effectLst/>
@@ -5284,6 +5263,11 @@
                   </a:txBody>
                   <a:tcPr marL="51655" marR="51655" marT="0" marB="0"/>
                 </a:tc>
+                <a:extLst>
+                  <a:ext uri="{0D108BD9-81ED-4DB2-BD59-A6C34878D82A}">
+                    <a16:rowId xmlns:a16="http://schemas.microsoft.com/office/drawing/2014/main" val="10003"/>
+                  </a:ext>
+                </a:extLst>
               </a:tr>
             </a:tbl>
           </a:graphicData>
@@ -5368,8 +5352,20 @@
                 <a:tableStyleId>{5C22544A-7EE6-4342-B048-85BDC9FD1C3A}</a:tableStyleId>
               </a:tblPr>
               <a:tblGrid>
-                <a:gridCol w="1813126"/>
-                <a:gridCol w="6879807"/>
+                <a:gridCol w="1813126">
+                  <a:extLst>
+                    <a:ext uri="{9D8B030D-6E8A-4147-A177-3AD203B41FA5}">
+                      <a16:colId xmlns:a16="http://schemas.microsoft.com/office/drawing/2014/main" val="20000"/>
+                    </a:ext>
+                  </a:extLst>
+                </a:gridCol>
+                <a:gridCol w="6879807">
+                  <a:extLst>
+                    <a:ext uri="{9D8B030D-6E8A-4147-A177-3AD203B41FA5}">
+                      <a16:colId xmlns:a16="http://schemas.microsoft.com/office/drawing/2014/main" val="20001"/>
+                    </a:ext>
+                  </a:extLst>
+                </a:gridCol>
               </a:tblGrid>
               <a:tr h="3398061">
                 <a:tc>
@@ -5428,13 +5424,7 @@
                         <a:rPr lang="en-US" sz="1600" kern="100" dirty="0">
                           <a:effectLst/>
                         </a:rPr>
-                        <a:t>6a. In step 6 of the main scenario, system find the patient information does not exist in the </a:t>
-                      </a:r>
-                      <a:r>
-                        <a:rPr lang="en-US" sz="1600" kern="100" dirty="0" smtClean="0">
-                          <a:effectLst/>
-                        </a:rPr>
-                        <a:t>database</a:t>
+                        <a:t>6a. In step 6 of the main scenario, system find the patient information does not exist in the database</a:t>
                       </a:r>
                     </a:p>
                     <a:p>
@@ -5444,28 +5434,16 @@
                         </a:spcAft>
                       </a:pPr>
                       <a:r>
-                        <a:rPr lang="en-US" sz="1600" kern="100" baseline="0" dirty="0" smtClean="0">
+                        <a:rPr lang="en-US" sz="1600" kern="100" baseline="0" dirty="0">
                           <a:effectLst/>
                         </a:rPr>
                         <a:t>   1. </a:t>
                       </a:r>
                       <a:r>
-                        <a:rPr lang="en-US" sz="1600" kern="100" dirty="0" smtClean="0">
-                          <a:effectLst/>
-                        </a:rPr>
-                        <a:t>System </a:t>
-                      </a:r>
-                      <a:r>
                         <a:rPr lang="en-US" sz="1600" kern="100" dirty="0">
                           <a:effectLst/>
                         </a:rPr>
-                        <a:t>returns the message that cannot find the patient information in database, and displays the form of patient </a:t>
-                      </a:r>
-                      <a:r>
-                        <a:rPr lang="en-US" sz="1600" kern="100" dirty="0" smtClean="0">
-                          <a:effectLst/>
-                        </a:rPr>
-                        <a:t>information</a:t>
+                        <a:t>System returns the message that cannot find the patient information in database, and displays the form of patient information</a:t>
                       </a:r>
                     </a:p>
                     <a:p>
@@ -5475,28 +5453,16 @@
                         </a:spcAft>
                       </a:pPr>
                       <a:r>
-                        <a:rPr lang="en-US" sz="1600" kern="100" baseline="0" dirty="0" smtClean="0">
+                        <a:rPr lang="en-US" sz="1600" kern="100" baseline="0" dirty="0">
                           <a:effectLst/>
                         </a:rPr>
                         <a:t>   2. </a:t>
                       </a:r>
                       <a:r>
-                        <a:rPr lang="en-US" sz="1600" kern="100" dirty="0" smtClean="0">
-                          <a:effectLst/>
-                        </a:rPr>
-                        <a:t>User </a:t>
-                      </a:r>
-                      <a:r>
                         <a:rPr lang="en-US" sz="1600" kern="100" dirty="0">
                           <a:effectLst/>
                         </a:rPr>
-                        <a:t>enters the patient’s name, gender, date of birth, address, contact number and insurance information to the </a:t>
-                      </a:r>
-                      <a:r>
-                        <a:rPr lang="en-US" sz="1600" kern="100" dirty="0" smtClean="0">
-                          <a:effectLst/>
-                        </a:rPr>
-                        <a:t>system.</a:t>
+                        <a:t>User enters the patient’s name, gender, date of birth, address, contact number and insurance information to the system.</a:t>
                       </a:r>
                     </a:p>
                     <a:p>
@@ -5506,30 +5472,18 @@
                         </a:spcAft>
                       </a:pPr>
                       <a:r>
-                        <a:rPr lang="en-US" sz="1600" kern="100" baseline="0" dirty="0" smtClean="0">
+                        <a:rPr lang="en-US" sz="1600" kern="100" baseline="0" dirty="0">
                           <a:effectLst/>
                         </a:rPr>
                         <a:t>   3. </a:t>
                       </a:r>
                       <a:r>
-                        <a:rPr lang="en-US" sz="1600" kern="100" dirty="0" smtClean="0">
-                          <a:effectLst/>
-                        </a:rPr>
-                        <a:t>System </a:t>
-                      </a:r>
-                      <a:r>
                         <a:rPr lang="en-US" sz="1600" kern="100" dirty="0">
                           <a:effectLst/>
                         </a:rPr>
-                        <a:t>creates a new patient information and saves in the </a:t>
+                        <a:t>System creates a new patient information and saves in the database.</a:t>
                       </a:r>
-                      <a:r>
-                        <a:rPr lang="en-US" sz="1600" kern="100" dirty="0" smtClean="0">
-                          <a:effectLst/>
-                        </a:rPr>
-                        <a:t>database.</a:t>
-                      </a:r>
-                      <a:endParaRPr lang="zh-CN" sz="1600" kern="100" dirty="0" smtClean="0">
+                      <a:endParaRPr lang="zh-CN" sz="1600" kern="100" dirty="0">
                         <a:effectLst/>
                       </a:endParaRPr>
                     </a:p>
@@ -5540,7 +5494,7 @@
                         </a:spcAft>
                       </a:pPr>
                       <a:r>
-                        <a:rPr lang="en-US" sz="1600" kern="100" dirty="0" smtClean="0">
+                        <a:rPr lang="en-US" sz="1600" kern="100" dirty="0">
                           <a:effectLst/>
                         </a:rPr>
                         <a:t>11a. In step 11, if the result shows that this treatment already exists in the database.</a:t>
@@ -5553,22 +5507,16 @@
                         </a:spcAft>
                       </a:pPr>
                       <a:r>
-                        <a:rPr lang="en-US" sz="1600" kern="100" baseline="0" dirty="0" smtClean="0">
+                        <a:rPr lang="en-US" sz="1600" kern="100" baseline="0" dirty="0">
                           <a:effectLst/>
                         </a:rPr>
                         <a:t>   1. </a:t>
                       </a:r>
                       <a:r>
-                        <a:rPr lang="en-US" sz="1600" kern="100" dirty="0" smtClean="0">
-                          <a:effectLst/>
-                        </a:rPr>
-                        <a:t>System </a:t>
-                      </a:r>
-                      <a:r>
                         <a:rPr lang="en-US" sz="1600" kern="100" dirty="0">
                           <a:effectLst/>
                         </a:rPr>
-                        <a:t>returns the message that the treatment exists.</a:t>
+                        <a:t>System returns the message that the treatment exists.</a:t>
                       </a:r>
                       <a:endParaRPr lang="zh-CN" sz="1600" kern="100" dirty="0">
                         <a:effectLst/>
@@ -5580,6 +5528,11 @@
                   </a:txBody>
                   <a:tcPr marL="68580" marR="68580" marT="0" marB="0"/>
                 </a:tc>
+                <a:extLst>
+                  <a:ext uri="{0D108BD9-81ED-4DB2-BD59-A6C34878D82A}">
+                    <a16:rowId xmlns:a16="http://schemas.microsoft.com/office/drawing/2014/main" val="10000"/>
+                  </a:ext>
+                </a:extLst>
               </a:tr>
               <a:tr h="566344">
                 <a:tc>
@@ -5634,6 +5587,11 @@
                   </a:txBody>
                   <a:tcPr marL="68580" marR="68580" marT="0" marB="0"/>
                 </a:tc>
+                <a:extLst>
+                  <a:ext uri="{0D108BD9-81ED-4DB2-BD59-A6C34878D82A}">
+                    <a16:rowId xmlns:a16="http://schemas.microsoft.com/office/drawing/2014/main" val="10001"/>
+                  </a:ext>
+                </a:extLst>
               </a:tr>
             </a:tbl>
           </a:graphicData>
@@ -5686,14 +5644,10 @@
           <a:p>
             <a:r>
               <a:rPr lang="en-US" altLang="zh-CN" dirty="0"/>
-              <a:t>Domain </a:t>
-            </a:r>
-            <a:r>
-              <a:rPr lang="en-US" altLang="zh-CN" dirty="0" smtClean="0"/>
-              <a:t>Model</a:t>
+              <a:t>Domain Model</a:t>
             </a:r>
             <a:br>
-              <a:rPr lang="en-US" altLang="zh-CN" dirty="0" smtClean="0"/>
+              <a:rPr lang="en-US" altLang="zh-CN" dirty="0"/>
             </a:br>
             <a:endParaRPr kumimoji="1" lang="zh-CN" altLang="en-US" dirty="0"/>
           </a:p>
@@ -5738,13 +5692,6 @@
   <p:clrMapOvr>
     <a:masterClrMapping/>
   </p:clrMapOvr>
-  <p:timing>
-    <p:tnLst>
-      <p:par>
-        <p:cTn id="1" dur="indefinite" restart="never" nodeType="tmRoot"/>
-      </p:par>
-    </p:tnLst>
-  </p:timing>
 </p:sld>
 </file>
 
@@ -5832,13 +5779,6 @@
   <p:clrMapOvr>
     <a:masterClrMapping/>
   </p:clrMapOvr>
-  <p:timing>
-    <p:tnLst>
-      <p:par>
-        <p:cTn id="1" dur="indefinite" restart="never" nodeType="tmRoot"/>
-      </p:par>
-    </p:tnLst>
-  </p:timing>
 </p:sld>
 </file>
 
@@ -5881,17 +5821,13 @@
           <a:p>
             <a:r>
               <a:rPr lang="en-US" altLang="zh-CN" dirty="0"/>
-              <a:t>S</a:t>
-            </a:r>
-            <a:r>
-              <a:rPr lang="en-US" altLang="zh-CN" dirty="0" smtClean="0"/>
-              <a:t>equence Diagram and </a:t>
+              <a:t>Sequence Diagram and </a:t>
             </a:r>
             <a:br>
-              <a:rPr lang="en-US" altLang="zh-CN" dirty="0" smtClean="0"/>
+              <a:rPr lang="en-US" altLang="zh-CN" dirty="0"/>
             </a:br>
             <a:r>
-              <a:rPr lang="en-US" altLang="zh-CN" dirty="0" smtClean="0"/>
+              <a:rPr lang="en-US" altLang="zh-CN" dirty="0"/>
               <a:t>GRASP Principles</a:t>
             </a:r>
             <a:endParaRPr kumimoji="1" lang="zh-CN" altLang="en-US" dirty="0"/>
@@ -5937,13 +5873,6 @@
   <p:clrMapOvr>
     <a:masterClrMapping/>
   </p:clrMapOvr>
-  <p:timing>
-    <p:tnLst>
-      <p:par>
-        <p:cTn id="1" dur="indefinite" restart="never" nodeType="tmRoot"/>
-      </p:par>
-    </p:tnLst>
-  </p:timing>
 </p:sld>
 </file>
 

--- a/Presentation/Software Design Methods Slide.pptx
+++ b/Presentation/Software Design Methods Slide.pptx
@@ -293,7 +293,7 @@
             <a:fld id="{87DE6118-2437-4B30-8E3C-4D2BE6020583}" type="datetimeFigureOut">
               <a:rPr lang="en-US" dirty="0"/>
               <a:pPr/>
-              <a:t>12/4/18</a:t>
+              <a:t>12/5/18</a:t>
             </a:fld>
             <a:endParaRPr lang="en-US" dirty="0"/>
           </a:p>
@@ -619,7 +619,7 @@
           <a:p>
             <a:fld id="{87DE6118-2437-4B30-8E3C-4D2BE6020583}" type="datetimeFigureOut">
               <a:rPr lang="en-US" dirty="0"/>
-              <a:t>12/4/18</a:t>
+              <a:t>12/5/18</a:t>
             </a:fld>
             <a:endParaRPr lang="en-US" dirty="0"/>
           </a:p>
@@ -794,7 +794,7 @@
           <a:p>
             <a:fld id="{87DE6118-2437-4B30-8E3C-4D2BE6020583}" type="datetimeFigureOut">
               <a:rPr lang="en-US" dirty="0"/>
-              <a:t>12/4/18</a:t>
+              <a:t>12/5/18</a:t>
             </a:fld>
             <a:endParaRPr lang="en-US" dirty="0"/>
           </a:p>
@@ -959,7 +959,7 @@
           <a:p>
             <a:fld id="{87DE6118-2437-4B30-8E3C-4D2BE6020583}" type="datetimeFigureOut">
               <a:rPr lang="en-US" dirty="0"/>
-              <a:t>12/4/18</a:t>
+              <a:t>12/5/18</a:t>
             </a:fld>
             <a:endParaRPr lang="en-US" dirty="0"/>
           </a:p>
@@ -1232,7 +1232,7 @@
             <a:fld id="{87DE6118-2437-4B30-8E3C-4D2BE6020583}" type="datetimeFigureOut">
               <a:rPr lang="en-US" dirty="0"/>
               <a:pPr/>
-              <a:t>12/4/18</a:t>
+              <a:t>12/5/18</a:t>
             </a:fld>
             <a:endParaRPr lang="en-US" dirty="0"/>
           </a:p>
@@ -1622,7 +1622,7 @@
           <a:p>
             <a:fld id="{87DE6118-2437-4B30-8E3C-4D2BE6020583}" type="datetimeFigureOut">
               <a:rPr lang="en-US" dirty="0"/>
-              <a:t>12/4/18</a:t>
+              <a:t>12/5/18</a:t>
             </a:fld>
             <a:endParaRPr lang="en-US" dirty="0"/>
           </a:p>
@@ -2094,7 +2094,7 @@
           <a:p>
             <a:fld id="{87DE6118-2437-4B30-8E3C-4D2BE6020583}" type="datetimeFigureOut">
               <a:rPr lang="en-US" dirty="0"/>
-              <a:t>12/4/18</a:t>
+              <a:t>12/5/18</a:t>
             </a:fld>
             <a:endParaRPr lang="en-US" dirty="0"/>
           </a:p>
@@ -2207,7 +2207,7 @@
           <a:p>
             <a:fld id="{87DE6118-2437-4B30-8E3C-4D2BE6020583}" type="datetimeFigureOut">
               <a:rPr lang="en-US" dirty="0"/>
-              <a:t>12/4/18</a:t>
+              <a:t>12/5/18</a:t>
             </a:fld>
             <a:endParaRPr lang="en-US" dirty="0"/>
           </a:p>
@@ -2297,7 +2297,7 @@
           <a:p>
             <a:fld id="{87DE6118-2437-4B30-8E3C-4D2BE6020583}" type="datetimeFigureOut">
               <a:rPr lang="en-US" dirty="0"/>
-              <a:t>12/4/18</a:t>
+              <a:t>12/5/18</a:t>
             </a:fld>
             <a:endParaRPr lang="en-US" dirty="0"/>
           </a:p>
@@ -2639,7 +2639,7 @@
             <a:fld id="{87DE6118-2437-4B30-8E3C-4D2BE6020583}" type="datetimeFigureOut">
               <a:rPr lang="en-US" dirty="0"/>
               <a:pPr/>
-              <a:t>12/4/18</a:t>
+              <a:t>12/5/18</a:t>
             </a:fld>
             <a:endParaRPr lang="en-US" dirty="0"/>
           </a:p>
@@ -3024,7 +3024,7 @@
             <a:fld id="{87DE6118-2437-4B30-8E3C-4D2BE6020583}" type="datetimeFigureOut">
               <a:rPr lang="en-US" dirty="0"/>
               <a:pPr/>
-              <a:t>12/4/18</a:t>
+              <a:t>12/5/18</a:t>
             </a:fld>
             <a:endParaRPr lang="en-US" dirty="0"/>
           </a:p>
@@ -3299,7 +3299,7 @@
             <a:fld id="{87DE6118-2437-4B30-8E3C-4D2BE6020583}" type="datetimeFigureOut">
               <a:rPr lang="en-US" dirty="0"/>
               <a:pPr/>
-              <a:t>12/4/18</a:t>
+              <a:t>12/5/18</a:t>
             </a:fld>
             <a:endParaRPr lang="en-US" dirty="0"/>
           </a:p>
@@ -4092,6 +4092,72 @@
           </a:xfrm>
         </p:spPr>
       </p:pic>
+      <p:pic>
+        <p:nvPicPr>
+          <p:cNvPr id="4" name="图片 3">
+            <a:extLst>
+              <a:ext uri="{FF2B5EF4-FFF2-40B4-BE49-F238E27FC236}">
+                <a16:creationId xmlns:a16="http://schemas.microsoft.com/office/drawing/2014/main" id="{95D1ECC9-6A2C-7542-B5B5-527212E5A711}"/>
+              </a:ext>
+            </a:extLst>
+          </p:cNvPr>
+          <p:cNvPicPr>
+            <a:picLocks noChangeAspect="1"/>
+          </p:cNvPicPr>
+          <p:nvPr/>
+        </p:nvPicPr>
+        <p:blipFill>
+          <a:blip r:embed="rId3"/>
+          <a:stretch>
+            <a:fillRect/>
+          </a:stretch>
+        </p:blipFill>
+        <p:spPr>
+          <a:xfrm>
+            <a:off x="8040123" y="942975"/>
+            <a:ext cx="3361303" cy="1147762"/>
+          </a:xfrm>
+          <a:prstGeom prst="rect">
+            <a:avLst/>
+          </a:prstGeom>
+        </p:spPr>
+      </p:pic>
+      <p:cxnSp>
+        <p:nvCxnSpPr>
+          <p:cNvPr id="6" name="直线连接符 5">
+            <a:extLst>
+              <a:ext uri="{FF2B5EF4-FFF2-40B4-BE49-F238E27FC236}">
+                <a16:creationId xmlns:a16="http://schemas.microsoft.com/office/drawing/2014/main" id="{49C44BAC-0005-1746-8B39-4573B52A434F}"/>
+              </a:ext>
+            </a:extLst>
+          </p:cNvPr>
+          <p:cNvCxnSpPr/>
+          <p:nvPr/>
+        </p:nvCxnSpPr>
+        <p:spPr>
+          <a:xfrm flipH="1">
+            <a:off x="5800725" y="1685925"/>
+            <a:ext cx="2239398" cy="557213"/>
+          </a:xfrm>
+          <a:prstGeom prst="line">
+            <a:avLst/>
+          </a:prstGeom>
+        </p:spPr>
+        <p:style>
+          <a:lnRef idx="1">
+            <a:schemeClr val="accent1"/>
+          </a:lnRef>
+          <a:fillRef idx="0">
+            <a:schemeClr val="accent1"/>
+          </a:fillRef>
+          <a:effectRef idx="0">
+            <a:schemeClr val="accent1"/>
+          </a:effectRef>
+          <a:fontRef idx="minor">
+            <a:schemeClr val="tx1"/>
+          </a:fontRef>
+        </p:style>
+      </p:cxnSp>
     </p:spTree>
     <p:extLst>
       <p:ext uri="{BB962C8B-B14F-4D97-AF65-F5344CB8AC3E}">
